--- a/SpringBoot.pptx
+++ b/SpringBoot.pptx
@@ -4,24 +4,31 @@
   <p:sldMasterIdLst>
     <p:sldMasterId id="2147483648" r:id="rId1"/>
   </p:sldMasterIdLst>
+  <p:notesMasterIdLst>
+    <p:notesMasterId r:id="rId14"/>
+  </p:notesMasterIdLst>
   <p:sldIdLst>
     <p:sldId id="256" r:id="rId3"/>
     <p:sldId id="262" r:id="rId4"/>
     <p:sldId id="263" r:id="rId5"/>
     <p:sldId id="264" r:id="rId6"/>
     <p:sldId id="265" r:id="rId7"/>
-    <p:sldId id="266" r:id="rId8"/>
-    <p:sldId id="267" r:id="rId9"/>
-    <p:sldId id="269" r:id="rId10"/>
-    <p:sldId id="268" r:id="rId11"/>
-    <p:sldId id="270" r:id="rId12"/>
-    <p:sldId id="271" r:id="rId13"/>
-    <p:sldId id="272" r:id="rId14"/>
-    <p:sldId id="273" r:id="rId15"/>
-    <p:sldId id="274" r:id="rId16"/>
-    <p:sldId id="275" r:id="rId17"/>
-    <p:sldId id="276" r:id="rId18"/>
-    <p:sldId id="277" r:id="rId19"/>
+    <p:sldId id="280" r:id="rId8"/>
+    <p:sldId id="281" r:id="rId9"/>
+    <p:sldId id="282" r:id="rId10"/>
+    <p:sldId id="283" r:id="rId11"/>
+    <p:sldId id="284" r:id="rId12"/>
+    <p:sldId id="267" r:id="rId13"/>
+    <p:sldId id="269" r:id="rId15"/>
+    <p:sldId id="268" r:id="rId16"/>
+    <p:sldId id="270" r:id="rId17"/>
+    <p:sldId id="271" r:id="rId18"/>
+    <p:sldId id="272" r:id="rId19"/>
+    <p:sldId id="273" r:id="rId20"/>
+    <p:sldId id="274" r:id="rId21"/>
+    <p:sldId id="275" r:id="rId22"/>
+    <p:sldId id="276" r:id="rId23"/>
+    <p:sldId id="277" r:id="rId24"/>
   </p:sldIdLst>
   <p:sldSz cx="12192000" cy="6858000"/>
   <p:notesSz cx="6858000" cy="9144000"/>
@@ -121,6 +128,397 @@
     </a:lvl9pPr>
   </p:defaultTextStyle>
 </p:presentation>
+</file>
+
+<file path=ppt/notesMasters/notesMaster1.xml><?xml version="1.0" encoding="utf-8"?>
+<p:notesMaster xmlns:a="http://schemas.openxmlformats.org/drawingml/2006/main" xmlns:r="http://schemas.openxmlformats.org/officeDocument/2006/relationships" xmlns:p="http://schemas.openxmlformats.org/presentationml/2006/main">
+  <p:cSld>
+    <p:bg>
+      <p:bgRef idx="1001">
+        <a:schemeClr val="bg1"/>
+      </p:bgRef>
+    </p:bg>
+    <p:spTree>
+      <p:nvGrpSpPr>
+        <p:cNvPr id="1" name=""/>
+        <p:cNvGrpSpPr/>
+        <p:nvPr/>
+      </p:nvGrpSpPr>
+      <p:grpSpPr>
+        <a:xfrm>
+          <a:off x="0" y="0"/>
+          <a:ext cx="0" cy="0"/>
+          <a:chOff x="0" y="0"/>
+          <a:chExt cx="0" cy="0"/>
+        </a:xfrm>
+      </p:grpSpPr>
+      <p:sp>
+        <p:nvSpPr>
+          <p:cNvPr id="2" name="页眉占位符 1"/>
+          <p:cNvSpPr>
+            <a:spLocks noGrp="1"/>
+          </p:cNvSpPr>
+          <p:nvPr>
+            <p:ph type="hdr" sz="quarter"/>
+          </p:nvPr>
+        </p:nvSpPr>
+        <p:spPr>
+          <a:xfrm>
+            <a:off x="0" y="0"/>
+            <a:ext cx="2971800" cy="458788"/>
+          </a:xfrm>
+          <a:prstGeom prst="rect">
+            <a:avLst/>
+          </a:prstGeom>
+        </p:spPr>
+        <p:txBody>
+          <a:bodyPr vert="horz" lIns="91440" tIns="45720" rIns="91440" bIns="45720" rtlCol="0"/>
+          <a:lstStyle>
+            <a:lvl1pPr algn="l">
+              <a:defRPr sz="1200"/>
+            </a:lvl1pPr>
+          </a:lstStyle>
+          <a:p>
+            <a:endParaRPr lang="zh-CN" altLang="en-US"/>
+          </a:p>
+        </p:txBody>
+      </p:sp>
+      <p:sp>
+        <p:nvSpPr>
+          <p:cNvPr id="3" name="日期占位符 2"/>
+          <p:cNvSpPr>
+            <a:spLocks noGrp="1"/>
+          </p:cNvSpPr>
+          <p:nvPr>
+            <p:ph type="dt" idx="1"/>
+          </p:nvPr>
+        </p:nvSpPr>
+        <p:spPr>
+          <a:xfrm>
+            <a:off x="3884613" y="0"/>
+            <a:ext cx="2971800" cy="458788"/>
+          </a:xfrm>
+          <a:prstGeom prst="rect">
+            <a:avLst/>
+          </a:prstGeom>
+        </p:spPr>
+        <p:txBody>
+          <a:bodyPr vert="horz" lIns="91440" tIns="45720" rIns="91440" bIns="45720" rtlCol="0"/>
+          <a:lstStyle>
+            <a:lvl1pPr algn="r">
+              <a:defRPr sz="1200"/>
+            </a:lvl1pPr>
+          </a:lstStyle>
+          <a:p>
+            <a:fld id="{D2A48B96-639E-45A3-A0BA-2464DFDB1FAA}" type="datetimeFigureOut">
+              <a:rPr lang="zh-CN" altLang="en-US" smtClean="0"/>
+            </a:fld>
+            <a:endParaRPr lang="zh-CN" altLang="en-US"/>
+          </a:p>
+        </p:txBody>
+      </p:sp>
+      <p:sp>
+        <p:nvSpPr>
+          <p:cNvPr id="4" name="幻灯片图像占位符 3"/>
+          <p:cNvSpPr>
+            <a:spLocks noGrp="1" noRot="1" noChangeAspect="1"/>
+          </p:cNvSpPr>
+          <p:nvPr>
+            <p:ph type="sldImg" idx="2"/>
+          </p:nvPr>
+        </p:nvSpPr>
+        <p:spPr>
+          <a:xfrm>
+            <a:off x="685800" y="1143000"/>
+            <a:ext cx="5486400" cy="3086100"/>
+          </a:xfrm>
+          <a:prstGeom prst="rect">
+            <a:avLst/>
+          </a:prstGeom>
+          <a:noFill/>
+          <a:ln w="12700">
+            <a:solidFill>
+              <a:prstClr val="black"/>
+            </a:solidFill>
+          </a:ln>
+        </p:spPr>
+        <p:txBody>
+          <a:bodyPr vert="horz" lIns="91440" tIns="45720" rIns="91440" bIns="45720" rtlCol="0" anchor="ctr"/>
+          <a:lstStyle/>
+          <a:p>
+            <a:endParaRPr lang="zh-CN" altLang="en-US"/>
+          </a:p>
+        </p:txBody>
+      </p:sp>
+      <p:sp>
+        <p:nvSpPr>
+          <p:cNvPr id="5" name="备注占位符 4"/>
+          <p:cNvSpPr>
+            <a:spLocks noGrp="1"/>
+          </p:cNvSpPr>
+          <p:nvPr>
+            <p:ph type="body" sz="quarter" idx="3"/>
+          </p:nvPr>
+        </p:nvSpPr>
+        <p:spPr>
+          <a:xfrm>
+            <a:off x="685800" y="4400550"/>
+            <a:ext cx="5486400" cy="3600450"/>
+          </a:xfrm>
+          <a:prstGeom prst="rect">
+            <a:avLst/>
+          </a:prstGeom>
+        </p:spPr>
+        <p:txBody>
+          <a:bodyPr vert="horz" lIns="91440" tIns="45720" rIns="91440" bIns="45720" rtlCol="0"/>
+          <a:lstStyle/>
+          <a:p>
+            <a:pPr lvl="0"/>
+            <a:r>
+              <a:rPr lang="zh-CN" altLang="en-US" smtClean="0"/>
+              <a:t>单击此处编辑母版文本样式</a:t>
+            </a:r>
+            <a:endParaRPr lang="zh-CN" altLang="en-US" smtClean="0"/>
+          </a:p>
+          <a:p>
+            <a:pPr lvl="1"/>
+            <a:r>
+              <a:rPr lang="zh-CN" altLang="en-US" smtClean="0"/>
+              <a:t>第二级</a:t>
+            </a:r>
+            <a:endParaRPr lang="zh-CN" altLang="en-US" smtClean="0"/>
+          </a:p>
+          <a:p>
+            <a:pPr lvl="2"/>
+            <a:r>
+              <a:rPr lang="zh-CN" altLang="en-US" smtClean="0"/>
+              <a:t>第三级</a:t>
+            </a:r>
+            <a:endParaRPr lang="zh-CN" altLang="en-US" smtClean="0"/>
+          </a:p>
+          <a:p>
+            <a:pPr lvl="3"/>
+            <a:r>
+              <a:rPr lang="zh-CN" altLang="en-US" smtClean="0"/>
+              <a:t>第四级</a:t>
+            </a:r>
+            <a:endParaRPr lang="zh-CN" altLang="en-US" smtClean="0"/>
+          </a:p>
+          <a:p>
+            <a:pPr lvl="4"/>
+            <a:r>
+              <a:rPr lang="zh-CN" altLang="en-US" smtClean="0"/>
+              <a:t>第五级</a:t>
+            </a:r>
+            <a:endParaRPr lang="zh-CN" altLang="en-US"/>
+          </a:p>
+        </p:txBody>
+      </p:sp>
+      <p:sp>
+        <p:nvSpPr>
+          <p:cNvPr id="6" name="页脚占位符 5"/>
+          <p:cNvSpPr>
+            <a:spLocks noGrp="1"/>
+          </p:cNvSpPr>
+          <p:nvPr>
+            <p:ph type="ftr" sz="quarter" idx="4"/>
+          </p:nvPr>
+        </p:nvSpPr>
+        <p:spPr>
+          <a:xfrm>
+            <a:off x="0" y="8685213"/>
+            <a:ext cx="2971800" cy="458787"/>
+          </a:xfrm>
+          <a:prstGeom prst="rect">
+            <a:avLst/>
+          </a:prstGeom>
+        </p:spPr>
+        <p:txBody>
+          <a:bodyPr vert="horz" lIns="91440" tIns="45720" rIns="91440" bIns="45720" rtlCol="0" anchor="b"/>
+          <a:lstStyle>
+            <a:lvl1pPr algn="l">
+              <a:defRPr sz="1200"/>
+            </a:lvl1pPr>
+          </a:lstStyle>
+          <a:p>
+            <a:endParaRPr lang="zh-CN" altLang="en-US"/>
+          </a:p>
+        </p:txBody>
+      </p:sp>
+      <p:sp>
+        <p:nvSpPr>
+          <p:cNvPr id="7" name="灯片编号占位符 6"/>
+          <p:cNvSpPr>
+            <a:spLocks noGrp="1"/>
+          </p:cNvSpPr>
+          <p:nvPr>
+            <p:ph type="sldNum" sz="quarter" idx="5"/>
+          </p:nvPr>
+        </p:nvSpPr>
+        <p:spPr>
+          <a:xfrm>
+            <a:off x="3884613" y="8685213"/>
+            <a:ext cx="2971800" cy="458787"/>
+          </a:xfrm>
+          <a:prstGeom prst="rect">
+            <a:avLst/>
+          </a:prstGeom>
+        </p:spPr>
+        <p:txBody>
+          <a:bodyPr vert="horz" lIns="91440" tIns="45720" rIns="91440" bIns="45720" rtlCol="0" anchor="b"/>
+          <a:lstStyle>
+            <a:lvl1pPr algn="r">
+              <a:defRPr sz="1200"/>
+            </a:lvl1pPr>
+          </a:lstStyle>
+          <a:p>
+            <a:fld id="{A6837353-30EB-4A48-80EB-173D804AEFBD}" type="slidenum">
+              <a:rPr lang="zh-CN" altLang="en-US" smtClean="0"/>
+            </a:fld>
+            <a:endParaRPr lang="zh-CN" altLang="en-US"/>
+          </a:p>
+        </p:txBody>
+      </p:sp>
+    </p:spTree>
+  </p:cSld>
+  <p:clrMap bg1="lt1" tx1="dk1" bg2="lt2" tx2="dk2" accent1="accent1" accent2="accent2" accent3="accent3" accent4="accent4" accent5="accent5" accent6="accent6" hlink="hlink" folHlink="folHlink"/>
+  <p:notesStyle>
+    <a:lvl1pPr marL="0" algn="l" defTabSz="914400" rtl="0" eaLnBrk="1" latinLnBrk="0" hangingPunct="1">
+      <a:defRPr sz="1200" kern="1200">
+        <a:solidFill>
+          <a:schemeClr val="tx1"/>
+        </a:solidFill>
+        <a:latin typeface="+mn-lt"/>
+        <a:ea typeface="+mn-ea"/>
+        <a:cs typeface="+mn-cs"/>
+      </a:defRPr>
+    </a:lvl1pPr>
+    <a:lvl2pPr marL="457200" algn="l" defTabSz="914400" rtl="0" eaLnBrk="1" latinLnBrk="0" hangingPunct="1">
+      <a:defRPr sz="1200" kern="1200">
+        <a:solidFill>
+          <a:schemeClr val="tx1"/>
+        </a:solidFill>
+        <a:latin typeface="+mn-lt"/>
+        <a:ea typeface="+mn-ea"/>
+        <a:cs typeface="+mn-cs"/>
+      </a:defRPr>
+    </a:lvl2pPr>
+    <a:lvl3pPr marL="914400" algn="l" defTabSz="914400" rtl="0" eaLnBrk="1" latinLnBrk="0" hangingPunct="1">
+      <a:defRPr sz="1200" kern="1200">
+        <a:solidFill>
+          <a:schemeClr val="tx1"/>
+        </a:solidFill>
+        <a:latin typeface="+mn-lt"/>
+        <a:ea typeface="+mn-ea"/>
+        <a:cs typeface="+mn-cs"/>
+      </a:defRPr>
+    </a:lvl3pPr>
+    <a:lvl4pPr marL="1371600" algn="l" defTabSz="914400" rtl="0" eaLnBrk="1" latinLnBrk="0" hangingPunct="1">
+      <a:defRPr sz="1200" kern="1200">
+        <a:solidFill>
+          <a:schemeClr val="tx1"/>
+        </a:solidFill>
+        <a:latin typeface="+mn-lt"/>
+        <a:ea typeface="+mn-ea"/>
+        <a:cs typeface="+mn-cs"/>
+      </a:defRPr>
+    </a:lvl4pPr>
+    <a:lvl5pPr marL="1828800" algn="l" defTabSz="914400" rtl="0" eaLnBrk="1" latinLnBrk="0" hangingPunct="1">
+      <a:defRPr sz="1200" kern="1200">
+        <a:solidFill>
+          <a:schemeClr val="tx1"/>
+        </a:solidFill>
+        <a:latin typeface="+mn-lt"/>
+        <a:ea typeface="+mn-ea"/>
+        <a:cs typeface="+mn-cs"/>
+      </a:defRPr>
+    </a:lvl5pPr>
+    <a:lvl6pPr marL="2286000" algn="l" defTabSz="914400" rtl="0" eaLnBrk="1" latinLnBrk="0" hangingPunct="1">
+      <a:defRPr sz="1200" kern="1200">
+        <a:solidFill>
+          <a:schemeClr val="tx1"/>
+        </a:solidFill>
+        <a:latin typeface="+mn-lt"/>
+        <a:ea typeface="+mn-ea"/>
+        <a:cs typeface="+mn-cs"/>
+      </a:defRPr>
+    </a:lvl6pPr>
+    <a:lvl7pPr marL="2743200" algn="l" defTabSz="914400" rtl="0" eaLnBrk="1" latinLnBrk="0" hangingPunct="1">
+      <a:defRPr sz="1200" kern="1200">
+        <a:solidFill>
+          <a:schemeClr val="tx1"/>
+        </a:solidFill>
+        <a:latin typeface="+mn-lt"/>
+        <a:ea typeface="+mn-ea"/>
+        <a:cs typeface="+mn-cs"/>
+      </a:defRPr>
+    </a:lvl7pPr>
+    <a:lvl8pPr marL="3200400" algn="l" defTabSz="914400" rtl="0" eaLnBrk="1" latinLnBrk="0" hangingPunct="1">
+      <a:defRPr sz="1200" kern="1200">
+        <a:solidFill>
+          <a:schemeClr val="tx1"/>
+        </a:solidFill>
+        <a:latin typeface="+mn-lt"/>
+        <a:ea typeface="+mn-ea"/>
+        <a:cs typeface="+mn-cs"/>
+      </a:defRPr>
+    </a:lvl8pPr>
+    <a:lvl9pPr marL="3657600" algn="l" defTabSz="914400" rtl="0" eaLnBrk="1" latinLnBrk="0" hangingPunct="1">
+      <a:defRPr sz="1200" kern="1200">
+        <a:solidFill>
+          <a:schemeClr val="tx1"/>
+        </a:solidFill>
+        <a:latin typeface="+mn-lt"/>
+        <a:ea typeface="+mn-ea"/>
+        <a:cs typeface="+mn-cs"/>
+      </a:defRPr>
+    </a:lvl9pPr>
+  </p:notesStyle>
+</p:notesMaster>
+</file>
+
+<file path=ppt/notesSlides/notesSlide1.xml><?xml version="1.0" encoding="utf-8"?>
+<p:notes xmlns:a="http://schemas.openxmlformats.org/drawingml/2006/main" xmlns:r="http://schemas.openxmlformats.org/officeDocument/2006/relationships" xmlns:p="http://schemas.openxmlformats.org/presentationml/2006/main">
+  <p:cSld>
+    <p:spTree>
+      <p:nvGrpSpPr>
+        <p:cNvPr id="1" name=""/>
+        <p:cNvGrpSpPr/>
+        <p:nvPr/>
+      </p:nvGrpSpPr>
+      <p:grpSpPr/>
+      <p:sp>
+        <p:nvSpPr>
+          <p:cNvPr id="2" name="幻灯片图像占位符 1"/>
+          <p:cNvSpPr/>
+          <p:nvPr>
+            <p:ph type="sldImg" idx="2"/>
+          </p:nvPr>
+        </p:nvSpPr>
+        <p:spPr/>
+      </p:sp>
+      <p:sp>
+        <p:nvSpPr>
+          <p:cNvPr id="3" name="文本占位符 2"/>
+          <p:cNvSpPr/>
+          <p:nvPr>
+            <p:ph type="body" idx="3"/>
+          </p:nvPr>
+        </p:nvSpPr>
+        <p:spPr/>
+        <p:txBody>
+          <a:bodyPr/>
+          <a:p>
+            <a:endParaRPr lang="zh-CN" altLang="en-US"/>
+          </a:p>
+        </p:txBody>
+      </p:sp>
+    </p:spTree>
+  </p:cSld>
+  <p:clrMapOvr>
+    <a:masterClrMapping/>
+  </p:clrMapOvr>
+</p:notes>
 </file>
 
 <file path=ppt/slideLayouts/slideLayout1.xml><?xml version="1.0" encoding="utf-8"?>
@@ -2970,100 +3368,9 @@
         <p:nvPr/>
       </p:nvGrpSpPr>
       <p:grpSpPr/>
-      <p:sp>
-        <p:nvSpPr>
-          <p:cNvPr id="2" name="文本框 1"/>
-          <p:cNvSpPr txBox="1"/>
-          <p:nvPr/>
-        </p:nvSpPr>
-        <p:spPr>
-          <a:xfrm>
-            <a:off x="441325" y="276225"/>
-            <a:ext cx="5805170" cy="645160"/>
-          </a:xfrm>
-          <a:prstGeom prst="rect">
-            <a:avLst/>
-          </a:prstGeom>
-          <a:noFill/>
-        </p:spPr>
-        <p:txBody>
-          <a:bodyPr wrap="square" rtlCol="0">
-            <a:spAutoFit/>
-          </a:bodyPr>
-          <a:p>
-            <a:r>
-              <a:rPr lang="zh-CN" altLang="en-US" sz="3600"/>
-              <a:t>关闭特定的自动配置</a:t>
-            </a:r>
-            <a:endParaRPr lang="zh-CN" altLang="en-US" sz="3600"/>
-          </a:p>
-        </p:txBody>
-      </p:sp>
-      <p:sp>
-        <p:nvSpPr>
-          <p:cNvPr id="3" name="文本框 2"/>
-          <p:cNvSpPr txBox="1"/>
-          <p:nvPr/>
-        </p:nvSpPr>
-        <p:spPr>
-          <a:xfrm>
-            <a:off x="1372235" y="1092200"/>
-            <a:ext cx="9398635" cy="645160"/>
-          </a:xfrm>
-          <a:prstGeom prst="rect">
-            <a:avLst/>
-          </a:prstGeom>
-          <a:noFill/>
-        </p:spPr>
-        <p:txBody>
-          <a:bodyPr wrap="square" rtlCol="0">
-            <a:spAutoFit/>
-          </a:bodyPr>
-          <a:p>
-            <a:r>
-              <a:rPr lang="zh-CN" altLang="en-US"/>
-              <a:t>@ComponentScan注解是有一个过滤器的，如果我们只想要@SpringBootApplication去扫描特定的类而不是全部类，那么就可以关闭自动配置</a:t>
-            </a:r>
-            <a:endParaRPr lang="zh-CN" altLang="en-US"/>
-          </a:p>
-        </p:txBody>
-      </p:sp>
-      <p:sp>
-        <p:nvSpPr>
-          <p:cNvPr id="4" name="文本框 3"/>
-          <p:cNvSpPr txBox="1"/>
-          <p:nvPr/>
-        </p:nvSpPr>
-        <p:spPr>
-          <a:xfrm>
-            <a:off x="1784350" y="1868805"/>
-            <a:ext cx="8108950" cy="368300"/>
-          </a:xfrm>
-          <a:prstGeom prst="rect">
-            <a:avLst/>
-          </a:prstGeom>
-          <a:noFill/>
-        </p:spPr>
-        <p:txBody>
-          <a:bodyPr wrap="square" rtlCol="0">
-            <a:spAutoFit/>
-          </a:bodyPr>
-          <a:p>
-            <a:r>
-              <a:rPr lang="en-US" altLang="zh-CN"/>
-              <a:t>-- </a:t>
-            </a:r>
-            <a:r>
-              <a:rPr lang="zh-CN" altLang="en-US"/>
-              <a:t>@SpringBootApplication(exclude = DataSourceAutoConfiguration.class)</a:t>
-            </a:r>
-            <a:endParaRPr lang="en-US" altLang="zh-CN"/>
-          </a:p>
-        </p:txBody>
-      </p:sp>
       <p:pic>
         <p:nvPicPr>
-          <p:cNvPr id="5" name="图片 4" descr="5"/>
+          <p:cNvPr id="2" name="图片 1" descr="8"/>
           <p:cNvPicPr>
             <a:picLocks noChangeAspect="1"/>
           </p:cNvPicPr>
@@ -3077,14 +3384,55 @@
         </p:blipFill>
         <p:spPr>
           <a:xfrm>
-            <a:off x="654685" y="2408555"/>
-            <a:ext cx="10367645" cy="4312920"/>
+            <a:off x="1811020" y="661670"/>
+            <a:ext cx="8111490" cy="2712720"/>
           </a:xfrm>
           <a:prstGeom prst="rect">
             <a:avLst/>
           </a:prstGeom>
         </p:spPr>
       </p:pic>
+      <p:sp>
+        <p:nvSpPr>
+          <p:cNvPr id="4" name="文本框 3"/>
+          <p:cNvSpPr txBox="1"/>
+          <p:nvPr/>
+        </p:nvSpPr>
+        <p:spPr>
+          <a:xfrm>
+            <a:off x="1027430" y="4020185"/>
+            <a:ext cx="9900920" cy="1568450"/>
+          </a:xfrm>
+          <a:prstGeom prst="rect">
+            <a:avLst/>
+          </a:prstGeom>
+          <a:noFill/>
+        </p:spPr>
+        <p:txBody>
+          <a:bodyPr wrap="square" rtlCol="0">
+            <a:spAutoFit/>
+          </a:bodyPr>
+          <a:p>
+            <a:r>
+              <a:rPr lang="zh-CN" altLang="en-US" sz="2400"/>
+              <a:t>URL中的变量可以用</a:t>
+            </a:r>
+            <a:r>
+              <a:rPr lang="zh-CN" altLang="en-US" sz="2400">
+                <a:solidFill>
+                  <a:srgbClr val="FF0000"/>
+                </a:solidFill>
+              </a:rPr>
+              <a:t>{variableName}</a:t>
+            </a:r>
+            <a:r>
+              <a:rPr lang="zh-CN" altLang="en-US" sz="2400"/>
+              <a:t>来表示，同时在方法的参数中加上@PathVariable("variableName")，那么当请求被转发给该方法处理时，对应的URL中的变量会被自动赋值给被@PathVariable注解的参数（能够自动根据参数类型赋值）</a:t>
+            </a:r>
+            <a:endParaRPr lang="zh-CN" altLang="en-US" sz="2400"/>
+          </a:p>
+        </p:txBody>
+      </p:sp>
     </p:spTree>
   </p:cSld>
   <p:clrMapOvr>
@@ -3116,14 +3464,14 @@
       <p:grpSpPr/>
       <p:sp>
         <p:nvSpPr>
-          <p:cNvPr id="3" name="文本框 2"/>
+          <p:cNvPr id="2" name="文本框 1"/>
           <p:cNvSpPr txBox="1"/>
           <p:nvPr/>
         </p:nvSpPr>
         <p:spPr>
           <a:xfrm>
-            <a:off x="428625" y="354330"/>
-            <a:ext cx="4646930" cy="583565"/>
+            <a:off x="609600" y="237490"/>
+            <a:ext cx="3041015" cy="583565"/>
           </a:xfrm>
           <a:prstGeom prst="rect">
             <a:avLst/>
@@ -3137,7 +3485,7 @@
           <a:p>
             <a:r>
               <a:rPr lang="zh-CN" altLang="en-US" sz="3200"/>
-              <a:t>Spring Boot的配置文件</a:t>
+              <a:t>注解的解释</a:t>
             </a:r>
             <a:endParaRPr lang="zh-CN" altLang="en-US" sz="3200"/>
           </a:p>
@@ -3145,14 +3493,14 @@
       </p:sp>
       <p:sp>
         <p:nvSpPr>
-          <p:cNvPr id="4" name="文本框 3"/>
+          <p:cNvPr id="3" name="文本框 2"/>
           <p:cNvSpPr txBox="1"/>
           <p:nvPr/>
         </p:nvSpPr>
         <p:spPr>
           <a:xfrm>
-            <a:off x="1455420" y="1407795"/>
-            <a:ext cx="8634730" cy="645160"/>
+            <a:off x="1458595" y="948055"/>
+            <a:ext cx="9815195" cy="1568450"/>
           </a:xfrm>
           <a:prstGeom prst="rect">
             <a:avLst/>
@@ -3165,35 +3513,41 @@
           </a:bodyPr>
           <a:p>
             <a:r>
-              <a:rPr lang="zh-CN" altLang="en-US"/>
-              <a:t>Spring Boot使用一个</a:t>
-            </a:r>
-            <a:r>
-              <a:rPr lang="zh-CN" altLang="en-US" b="1">
+              <a:rPr lang="zh-CN" altLang="en-US" sz="2400">
                 <a:solidFill>
                   <a:srgbClr val="FF0000"/>
                 </a:solidFill>
               </a:rPr>
-              <a:t>全局的配置文件</a:t>
-            </a:r>
-            <a:r>
-              <a:rPr lang="zh-CN" altLang="en-US"/>
-              <a:t>application.properties或者application.yml，配置文件放在src/main/resources目录下</a:t>
-            </a:r>
-            <a:endParaRPr lang="zh-CN" altLang="en-US"/>
-          </a:p>
-        </p:txBody>
-      </p:sp>
-      <p:sp>
-        <p:nvSpPr>
-          <p:cNvPr id="5" name="文本框 4"/>
+              <a:t>@SpringBootApplication</a:t>
+            </a:r>
+            <a:endParaRPr lang="zh-CN" altLang="en-US" sz="2400">
+              <a:solidFill>
+                <a:srgbClr val="FF0000"/>
+              </a:solidFill>
+            </a:endParaRPr>
+          </a:p>
+          <a:p>
+            <a:endParaRPr lang="zh-CN" altLang="en-US" sz="2400"/>
+          </a:p>
+          <a:p>
+            <a:r>
+              <a:rPr lang="en-US" altLang="zh-CN" sz="2400"/>
+              <a:t>       --这是整个Spring Boot的核心注解，它的目的就是开启Spring Boot的自动配置</a:t>
+            </a:r>
+            <a:endParaRPr lang="en-US" altLang="zh-CN" sz="2400"/>
+          </a:p>
+        </p:txBody>
+      </p:sp>
+      <p:sp>
+        <p:nvSpPr>
+          <p:cNvPr id="4" name="文本框 3"/>
           <p:cNvSpPr txBox="1"/>
           <p:nvPr/>
         </p:nvSpPr>
         <p:spPr>
           <a:xfrm>
-            <a:off x="1455420" y="2737485"/>
-            <a:ext cx="7331710" cy="2584450"/>
+            <a:off x="1458595" y="4659630"/>
+            <a:ext cx="10108565" cy="1568450"/>
           </a:xfrm>
           <a:prstGeom prst="rect">
             <a:avLst/>
@@ -3206,50 +3560,100 @@
           </a:bodyPr>
           <a:p>
             <a:r>
-              <a:rPr lang="zh-CN" altLang="en-US"/>
-              <a:t>server.port</a:t>
-            </a:r>
-            <a:endParaRPr lang="zh-CN" altLang="en-US"/>
-          </a:p>
-          <a:p>
-            <a:endParaRPr lang="zh-CN" altLang="en-US"/>
-          </a:p>
-          <a:p>
-            <a:r>
-              <a:rPr lang="zh-CN" altLang="en-US"/>
-              <a:t>server.contextPath</a:t>
-            </a:r>
-            <a:endParaRPr lang="zh-CN" altLang="en-US"/>
-          </a:p>
-          <a:p>
-            <a:endParaRPr lang="zh-CN" altLang="en-US"/>
-          </a:p>
-          <a:p>
-            <a:r>
-              <a:rPr lang="zh-CN" altLang="en-US"/>
-              <a:t>spring.http.encoding.charset=UTF-8</a:t>
-            </a:r>
-            <a:endParaRPr lang="zh-CN" altLang="en-US"/>
-          </a:p>
-          <a:p>
-            <a:endParaRPr lang="zh-CN" altLang="en-US"/>
-          </a:p>
-          <a:p>
-            <a:r>
-              <a:rPr lang="zh-CN" altLang="en-US"/>
-              <a:t>spring.http.encoding.enabled=true</a:t>
-            </a:r>
-            <a:endParaRPr lang="zh-CN" altLang="en-US"/>
-          </a:p>
-          <a:p>
-            <a:endParaRPr lang="zh-CN" altLang="en-US"/>
-          </a:p>
-          <a:p>
-            <a:r>
-              <a:rPr lang="zh-CN" altLang="en-US"/>
-              <a:t>spring.http.encoding.force=true</a:t>
-            </a:r>
-            <a:endParaRPr lang="zh-CN" altLang="en-US"/>
+              <a:rPr lang="zh-CN" altLang="en-US" sz="2400">
+                <a:solidFill>
+                  <a:srgbClr val="FF0000"/>
+                </a:solidFill>
+              </a:rPr>
+              <a:t>@Controller</a:t>
+            </a:r>
+            <a:endParaRPr lang="zh-CN" altLang="en-US" sz="2400">
+              <a:solidFill>
+                <a:srgbClr val="FF0000"/>
+              </a:solidFill>
+            </a:endParaRPr>
+          </a:p>
+          <a:p>
+            <a:endParaRPr lang="zh-CN" altLang="en-US" sz="2400"/>
+          </a:p>
+          <a:p>
+            <a:r>
+              <a:rPr lang="zh-CN" altLang="en-US" sz="2400"/>
+              <a:t>       </a:t>
+            </a:r>
+            <a:r>
+              <a:rPr lang="en-US" altLang="zh-CN" sz="2400"/>
+              <a:t>--Servlet容器里收到的HTTP请求根据路径分发给对应的@Controller类进行处理</a:t>
+            </a:r>
+            <a:endParaRPr lang="en-US" altLang="zh-CN" sz="2400"/>
+          </a:p>
+        </p:txBody>
+      </p:sp>
+      <p:sp>
+        <p:nvSpPr>
+          <p:cNvPr id="5" name="文本框 4"/>
+          <p:cNvSpPr txBox="1"/>
+          <p:nvPr/>
+        </p:nvSpPr>
+        <p:spPr>
+          <a:xfrm>
+            <a:off x="1458595" y="2721610"/>
+            <a:ext cx="9916160" cy="1938020"/>
+          </a:xfrm>
+          <a:prstGeom prst="rect">
+            <a:avLst/>
+          </a:prstGeom>
+          <a:noFill/>
+        </p:spPr>
+        <p:txBody>
+          <a:bodyPr wrap="square" rtlCol="0">
+            <a:spAutoFit/>
+          </a:bodyPr>
+          <a:p>
+            <a:r>
+              <a:rPr lang="zh-CN" altLang="en-US" sz="2400">
+                <a:solidFill>
+                  <a:srgbClr val="FF0000"/>
+                </a:solidFill>
+              </a:rPr>
+              <a:t>@RequestMapping</a:t>
+            </a:r>
+            <a:endParaRPr lang="zh-CN" altLang="en-US" sz="2400">
+              <a:solidFill>
+                <a:srgbClr val="FF0000"/>
+              </a:solidFill>
+            </a:endParaRPr>
+          </a:p>
+          <a:p>
+            <a:endParaRPr lang="en-US" altLang="zh-CN" sz="2400"/>
+          </a:p>
+          <a:p>
+            <a:r>
+              <a:rPr lang="zh-CN" altLang="en-US" sz="2400"/>
+              <a:t>       </a:t>
+            </a:r>
+            <a:r>
+              <a:rPr lang="en-US" altLang="zh-CN" sz="2400"/>
+              <a:t>--</a:t>
+            </a:r>
+            <a:r>
+              <a:rPr lang="en-US" altLang="zh-CN" sz="2400">
+                <a:sym typeface="+mn-ea"/>
+              </a:rPr>
+              <a:t>--</a:t>
+            </a:r>
+            <a:r>
+              <a:rPr lang="zh-CN" altLang="en-US" sz="2400">
+                <a:sym typeface="+mn-ea"/>
+              </a:rPr>
+              <a:t>实现URL路由，Web应用包括很多页面，不同的页面对应着不同的URL。不同的URL，通常需要不同的方法进行处理并返回不同的内容。</a:t>
+            </a:r>
+            <a:endParaRPr lang="zh-CN" altLang="en-US" sz="2400"/>
+          </a:p>
+          <a:p>
+            <a:endParaRPr lang="zh-CN" altLang="en-US" sz="2400">
+              <a:sym typeface="+mn-ea"/>
+            </a:endParaRPr>
           </a:p>
         </p:txBody>
       </p:sp>
@@ -3290,6 +3694,744 @@
         </p:nvSpPr>
         <p:spPr>
           <a:xfrm>
+            <a:off x="613410" y="408305"/>
+            <a:ext cx="7212965" cy="583565"/>
+          </a:xfrm>
+          <a:prstGeom prst="rect">
+            <a:avLst/>
+          </a:prstGeom>
+          <a:noFill/>
+        </p:spPr>
+        <p:txBody>
+          <a:bodyPr wrap="square" rtlCol="0">
+            <a:spAutoFit/>
+          </a:bodyPr>
+          <a:p>
+            <a:r>
+              <a:rPr lang="zh-CN" altLang="en-US" sz="3200"/>
+              <a:t>入口类和@SpringBootApplication注解</a:t>
+            </a:r>
+            <a:endParaRPr lang="zh-CN" altLang="en-US" sz="3200"/>
+          </a:p>
+        </p:txBody>
+      </p:sp>
+      <p:sp>
+        <p:nvSpPr>
+          <p:cNvPr id="3" name="文本框 2"/>
+          <p:cNvSpPr txBox="1"/>
+          <p:nvPr/>
+        </p:nvSpPr>
+        <p:spPr>
+          <a:xfrm>
+            <a:off x="793115" y="4526280"/>
+            <a:ext cx="11142980" cy="1198880"/>
+          </a:xfrm>
+          <a:prstGeom prst="rect">
+            <a:avLst/>
+          </a:prstGeom>
+          <a:noFill/>
+        </p:spPr>
+        <p:txBody>
+          <a:bodyPr wrap="square" rtlCol="0">
+            <a:spAutoFit/>
+          </a:bodyPr>
+          <a:p>
+            <a:r>
+              <a:rPr lang="zh-CN" altLang="en-US" sz="2400"/>
+              <a:t>@SpringBootApplication则是一个组合注解</a:t>
+            </a:r>
+            <a:endParaRPr lang="zh-CN" altLang="en-US" sz="2400"/>
+          </a:p>
+          <a:p>
+            <a:r>
+              <a:rPr lang="en-US" altLang="zh-CN" sz="2400"/>
+              <a:t>	</a:t>
+            </a:r>
+            <a:endParaRPr lang="en-US" altLang="zh-CN" sz="2400"/>
+          </a:p>
+          <a:p>
+            <a:r>
+              <a:rPr lang="en-US" altLang="zh-CN" sz="2400"/>
+              <a:t>	@SpringBootConfiguration、@EnableAutoConfiguration</a:t>
+            </a:r>
+            <a:r>
+              <a:rPr lang="zh-CN" altLang="en-US" sz="2400"/>
+              <a:t>、</a:t>
+            </a:r>
+            <a:r>
+              <a:rPr lang="en-US" altLang="zh-CN" sz="2400"/>
+              <a:t>@ComponentScan</a:t>
+            </a:r>
+            <a:endParaRPr lang="en-US" altLang="zh-CN" sz="2400"/>
+          </a:p>
+        </p:txBody>
+      </p:sp>
+      <p:sp>
+        <p:nvSpPr>
+          <p:cNvPr id="4" name="文本框 3"/>
+          <p:cNvSpPr txBox="1"/>
+          <p:nvPr/>
+        </p:nvSpPr>
+        <p:spPr>
+          <a:xfrm>
+            <a:off x="793115" y="2140585"/>
+            <a:ext cx="10516870" cy="1938020"/>
+          </a:xfrm>
+          <a:prstGeom prst="rect">
+            <a:avLst/>
+          </a:prstGeom>
+          <a:noFill/>
+        </p:spPr>
+        <p:txBody>
+          <a:bodyPr wrap="square" rtlCol="0">
+            <a:spAutoFit/>
+          </a:bodyPr>
+          <a:p>
+            <a:r>
+              <a:rPr lang="zh-CN" altLang="en-US" sz="2400"/>
+              <a:t>SpringApplication是Spring Boot框架中描述Spring应用的类，它的run()方法会创建一个Spring应用上下文（Application Context）。另一方面它会扫描当前应用类路径上的依赖，例如本</a:t>
+            </a:r>
+            <a:r>
+              <a:rPr lang="en-US" altLang="zh-CN" sz="2400"/>
+              <a:t>demo</a:t>
+            </a:r>
+            <a:r>
+              <a:rPr lang="zh-CN" altLang="en-US" sz="2400"/>
+              <a:t>中发现spring-webmvc（由 spring-boot-starter-web传递引入）在类路径中，那么Spring Boot会判断这是一个Web应用，并启动一个内嵌的Servlet容器（默认是Tomcat）用于处理HTTP请求。</a:t>
+            </a:r>
+            <a:endParaRPr lang="zh-CN" altLang="en-US" sz="2400"/>
+          </a:p>
+        </p:txBody>
+      </p:sp>
+      <p:sp>
+        <p:nvSpPr>
+          <p:cNvPr id="5" name="文本框 4"/>
+          <p:cNvSpPr txBox="1"/>
+          <p:nvPr/>
+        </p:nvSpPr>
+        <p:spPr>
+          <a:xfrm>
+            <a:off x="793115" y="1271270"/>
+            <a:ext cx="6329680" cy="460375"/>
+          </a:xfrm>
+          <a:prstGeom prst="rect">
+            <a:avLst/>
+          </a:prstGeom>
+          <a:noFill/>
+        </p:spPr>
+        <p:txBody>
+          <a:bodyPr wrap="square" rtlCol="0">
+            <a:spAutoFit/>
+          </a:bodyPr>
+          <a:p>
+            <a:r>
+              <a:rPr lang="zh-CN" altLang="en-US" sz="2400">
+                <a:sym typeface="+mn-ea"/>
+              </a:rPr>
+              <a:t>SpringApplication</a:t>
+            </a:r>
+            <a:r>
+              <a:rPr lang="en-US" altLang="zh-CN" sz="2400">
+                <a:sym typeface="+mn-ea"/>
+              </a:rPr>
+              <a:t>.run()</a:t>
+            </a:r>
+            <a:endParaRPr lang="en-US" altLang="zh-CN" sz="2400">
+              <a:sym typeface="+mn-ea"/>
+            </a:endParaRPr>
+          </a:p>
+        </p:txBody>
+      </p:sp>
+    </p:spTree>
+  </p:cSld>
+  <p:clrMapOvr>
+    <a:masterClrMapping/>
+  </p:clrMapOvr>
+</p:sld>
+</file>
+
+<file path=ppt/slides/slide13.xml><?xml version="1.0" encoding="utf-8"?>
+<p:sld xmlns:a="http://schemas.openxmlformats.org/drawingml/2006/main" xmlns:r="http://schemas.openxmlformats.org/officeDocument/2006/relationships" xmlns:p="http://schemas.openxmlformats.org/presentationml/2006/main">
+  <p:cSld>
+    <p:bg>
+      <p:bgPr>
+        <a:solidFill>
+          <a:schemeClr val="accent4">
+            <a:lumMod val="40000"/>
+            <a:lumOff val="60000"/>
+          </a:schemeClr>
+        </a:solidFill>
+        <a:effectLst/>
+      </p:bgPr>
+    </p:bg>
+    <p:spTree>
+      <p:nvGrpSpPr>
+        <p:cNvPr id="1" name=""/>
+        <p:cNvGrpSpPr/>
+        <p:nvPr/>
+      </p:nvGrpSpPr>
+      <p:grpSpPr/>
+      <p:sp>
+        <p:nvSpPr>
+          <p:cNvPr id="6" name="文本框 5"/>
+          <p:cNvSpPr txBox="1"/>
+          <p:nvPr/>
+        </p:nvSpPr>
+        <p:spPr>
+          <a:xfrm>
+            <a:off x="1217930" y="250190"/>
+            <a:ext cx="9516110" cy="6185535"/>
+          </a:xfrm>
+          <a:prstGeom prst="rect">
+            <a:avLst/>
+          </a:prstGeom>
+          <a:noFill/>
+        </p:spPr>
+        <p:txBody>
+          <a:bodyPr wrap="square" rtlCol="0">
+            <a:spAutoFit/>
+          </a:bodyPr>
+          <a:p>
+            <a:r>
+              <a:rPr lang="zh-CN" altLang="en-US"/>
+              <a:t>package org.springframework.boot.autoconfigure;</a:t>
+            </a:r>
+            <a:endParaRPr lang="zh-CN" altLang="en-US"/>
+          </a:p>
+          <a:p>
+            <a:endParaRPr lang="zh-CN" altLang="en-US"/>
+          </a:p>
+          <a:p>
+            <a:r>
+              <a:rPr lang="zh-CN" altLang="en-US"/>
+              <a:t>import java.lang.annotation.Documented;</a:t>
+            </a:r>
+            <a:endParaRPr lang="zh-CN" altLang="en-US"/>
+          </a:p>
+          <a:p>
+            <a:r>
+              <a:rPr lang="zh-CN" altLang="en-US"/>
+              <a:t>import java.lang.annotation.ElementType;</a:t>
+            </a:r>
+            <a:endParaRPr lang="zh-CN" altLang="en-US"/>
+          </a:p>
+          <a:p>
+            <a:r>
+              <a:rPr lang="zh-CN" altLang="en-US"/>
+              <a:t>import java.lang.annotation.Inherited;</a:t>
+            </a:r>
+            <a:endParaRPr lang="zh-CN" altLang="en-US"/>
+          </a:p>
+          <a:p>
+            <a:r>
+              <a:rPr lang="zh-CN" altLang="en-US"/>
+              <a:t>import java.lang.annotation.Retention;</a:t>
+            </a:r>
+            <a:endParaRPr lang="zh-CN" altLang="en-US"/>
+          </a:p>
+          <a:p>
+            <a:r>
+              <a:rPr lang="zh-CN" altLang="en-US"/>
+              <a:t>import java.lang.annotation.RetentionPolicy;</a:t>
+            </a:r>
+            <a:endParaRPr lang="zh-CN" altLang="en-US"/>
+          </a:p>
+          <a:p>
+            <a:r>
+              <a:rPr lang="zh-CN" altLang="en-US"/>
+              <a:t>import java.lang.annotation.Target;</a:t>
+            </a:r>
+            <a:endParaRPr lang="zh-CN" altLang="en-US"/>
+          </a:p>
+          <a:p>
+            <a:r>
+              <a:rPr lang="zh-CN" altLang="en-US"/>
+              <a:t>import org.springframework.boot.autoconfigure.EnableAutoConfiguration;</a:t>
+            </a:r>
+            <a:endParaRPr lang="zh-CN" altLang="en-US"/>
+          </a:p>
+          <a:p>
+            <a:r>
+              <a:rPr lang="zh-CN" altLang="en-US"/>
+              <a:t>import org.springframework.context.annotation.ComponentScan;</a:t>
+            </a:r>
+            <a:endParaRPr lang="zh-CN" altLang="en-US"/>
+          </a:p>
+          <a:p>
+            <a:r>
+              <a:rPr lang="zh-CN" altLang="en-US"/>
+              <a:t>import org.springframework.context.annotation.Configuration;</a:t>
+            </a:r>
+            <a:endParaRPr lang="zh-CN" altLang="en-US"/>
+          </a:p>
+          <a:p>
+            <a:endParaRPr lang="zh-CN" altLang="en-US"/>
+          </a:p>
+          <a:p>
+            <a:r>
+              <a:rPr lang="zh-CN" altLang="en-US"/>
+              <a:t>@Target({ElementType.TYPE})</a:t>
+            </a:r>
+            <a:endParaRPr lang="zh-CN" altLang="en-US"/>
+          </a:p>
+          <a:p>
+            <a:r>
+              <a:rPr lang="zh-CN" altLang="en-US"/>
+              <a:t>@Retention(RetentionPolicy.RUNTIME)</a:t>
+            </a:r>
+            <a:endParaRPr lang="zh-CN" altLang="en-US"/>
+          </a:p>
+          <a:p>
+            <a:r>
+              <a:rPr lang="zh-CN" altLang="en-US"/>
+              <a:t>@Documented</a:t>
+            </a:r>
+            <a:endParaRPr lang="zh-CN" altLang="en-US"/>
+          </a:p>
+          <a:p>
+            <a:r>
+              <a:rPr lang="zh-CN" altLang="en-US"/>
+              <a:t>@Inherited</a:t>
+            </a:r>
+            <a:endParaRPr lang="zh-CN" altLang="en-US"/>
+          </a:p>
+          <a:p>
+            <a:r>
+              <a:rPr lang="zh-CN" altLang="en-US"/>
+              <a:t>@Configuration</a:t>
+            </a:r>
+            <a:endParaRPr lang="zh-CN" altLang="en-US"/>
+          </a:p>
+          <a:p>
+            <a:r>
+              <a:rPr lang="zh-CN" altLang="en-US"/>
+              <a:t>@EnableAutoConfiguration</a:t>
+            </a:r>
+            <a:endParaRPr lang="zh-CN" altLang="en-US"/>
+          </a:p>
+          <a:p>
+            <a:r>
+              <a:rPr lang="zh-CN" altLang="en-US"/>
+              <a:t>@ComponentScan</a:t>
+            </a:r>
+            <a:endParaRPr lang="zh-CN" altLang="en-US"/>
+          </a:p>
+          <a:p>
+            <a:r>
+              <a:rPr lang="zh-CN" altLang="en-US"/>
+              <a:t>public @interface SpringBootApplication {</a:t>
+            </a:r>
+            <a:endParaRPr lang="zh-CN" altLang="en-US"/>
+          </a:p>
+          <a:p>
+            <a:r>
+              <a:rPr lang="zh-CN" altLang="en-US"/>
+              <a:t>    Class&lt;?&gt;[] exclude() default {};</a:t>
+            </a:r>
+            <a:endParaRPr lang="zh-CN" altLang="en-US"/>
+          </a:p>
+          <a:p>
+            <a:r>
+              <a:rPr lang="zh-CN" altLang="en-US"/>
+              <a:t>}</a:t>
+            </a:r>
+            <a:endParaRPr lang="zh-CN" altLang="en-US"/>
+          </a:p>
+        </p:txBody>
+      </p:sp>
+    </p:spTree>
+  </p:cSld>
+  <p:clrMapOvr>
+    <a:masterClrMapping/>
+  </p:clrMapOvr>
+</p:sld>
+</file>
+
+<file path=ppt/slides/slide14.xml><?xml version="1.0" encoding="utf-8"?>
+<p:sld xmlns:a="http://schemas.openxmlformats.org/drawingml/2006/main" xmlns:r="http://schemas.openxmlformats.org/officeDocument/2006/relationships" xmlns:p="http://schemas.openxmlformats.org/presentationml/2006/main">
+  <p:cSld>
+    <p:bg>
+      <p:bgPr>
+        <a:solidFill>
+          <a:schemeClr val="accent4">
+            <a:lumMod val="40000"/>
+            <a:lumOff val="60000"/>
+          </a:schemeClr>
+        </a:solidFill>
+        <a:effectLst/>
+      </p:bgPr>
+    </p:bg>
+    <p:spTree>
+      <p:nvGrpSpPr>
+        <p:cNvPr id="1" name=""/>
+        <p:cNvGrpSpPr/>
+        <p:nvPr/>
+      </p:nvGrpSpPr>
+      <p:grpSpPr/>
+      <p:sp>
+        <p:nvSpPr>
+          <p:cNvPr id="2" name="文本框 1"/>
+          <p:cNvSpPr txBox="1"/>
+          <p:nvPr/>
+        </p:nvSpPr>
+        <p:spPr>
+          <a:xfrm>
+            <a:off x="441325" y="276225"/>
+            <a:ext cx="5805170" cy="645160"/>
+          </a:xfrm>
+          <a:prstGeom prst="rect">
+            <a:avLst/>
+          </a:prstGeom>
+          <a:noFill/>
+        </p:spPr>
+        <p:txBody>
+          <a:bodyPr wrap="square" rtlCol="0">
+            <a:spAutoFit/>
+          </a:bodyPr>
+          <a:p>
+            <a:r>
+              <a:rPr lang="zh-CN" altLang="en-US" sz="3600"/>
+              <a:t>关闭特定的自动配置</a:t>
+            </a:r>
+            <a:endParaRPr lang="zh-CN" altLang="en-US" sz="3600"/>
+          </a:p>
+        </p:txBody>
+      </p:sp>
+      <p:sp>
+        <p:nvSpPr>
+          <p:cNvPr id="3" name="文本框 2"/>
+          <p:cNvSpPr txBox="1"/>
+          <p:nvPr/>
+        </p:nvSpPr>
+        <p:spPr>
+          <a:xfrm>
+            <a:off x="853440" y="921385"/>
+            <a:ext cx="10983595" cy="829945"/>
+          </a:xfrm>
+          <a:prstGeom prst="rect">
+            <a:avLst/>
+          </a:prstGeom>
+          <a:noFill/>
+        </p:spPr>
+        <p:txBody>
+          <a:bodyPr wrap="square" rtlCol="0">
+            <a:spAutoFit/>
+          </a:bodyPr>
+          <a:p>
+            <a:r>
+              <a:rPr lang="zh-CN" altLang="en-US" sz="2400"/>
+              <a:t>@ComponentScan注解是有一个过滤器的，如果我们只想要@SpringBootApplication去扫描特定的类而不是全部类，那么就可以关闭自动配置</a:t>
+            </a:r>
+            <a:endParaRPr lang="zh-CN" altLang="en-US" sz="2400"/>
+          </a:p>
+        </p:txBody>
+      </p:sp>
+      <p:sp>
+        <p:nvSpPr>
+          <p:cNvPr id="4" name="文本框 3"/>
+          <p:cNvSpPr txBox="1"/>
+          <p:nvPr/>
+        </p:nvSpPr>
+        <p:spPr>
+          <a:xfrm>
+            <a:off x="1068705" y="1751330"/>
+            <a:ext cx="10055225" cy="460375"/>
+          </a:xfrm>
+          <a:prstGeom prst="rect">
+            <a:avLst/>
+          </a:prstGeom>
+          <a:noFill/>
+        </p:spPr>
+        <p:txBody>
+          <a:bodyPr wrap="square" rtlCol="0">
+            <a:spAutoFit/>
+          </a:bodyPr>
+          <a:p>
+            <a:r>
+              <a:rPr lang="en-US" altLang="zh-CN" sz="2400">
+                <a:solidFill>
+                  <a:srgbClr val="FF0000"/>
+                </a:solidFill>
+              </a:rPr>
+              <a:t>-- </a:t>
+            </a:r>
+            <a:r>
+              <a:rPr lang="zh-CN" altLang="en-US" sz="2400">
+                <a:solidFill>
+                  <a:srgbClr val="FF0000"/>
+                </a:solidFill>
+              </a:rPr>
+              <a:t>@SpringBootApplication(exclude = DataSourceAutoConfiguration.class)</a:t>
+            </a:r>
+            <a:endParaRPr lang="zh-CN" altLang="en-US" sz="2400">
+              <a:solidFill>
+                <a:srgbClr val="FF0000"/>
+              </a:solidFill>
+            </a:endParaRPr>
+          </a:p>
+        </p:txBody>
+      </p:sp>
+      <p:pic>
+        <p:nvPicPr>
+          <p:cNvPr id="5" name="图片 4" descr="5"/>
+          <p:cNvPicPr>
+            <a:picLocks noChangeAspect="1"/>
+          </p:cNvPicPr>
+          <p:nvPr/>
+        </p:nvPicPr>
+        <p:blipFill>
+          <a:blip r:embed="rId1"/>
+          <a:stretch>
+            <a:fillRect/>
+          </a:stretch>
+        </p:blipFill>
+        <p:spPr>
+          <a:xfrm>
+            <a:off x="654685" y="2408555"/>
+            <a:ext cx="10367645" cy="4312920"/>
+          </a:xfrm>
+          <a:prstGeom prst="rect">
+            <a:avLst/>
+          </a:prstGeom>
+        </p:spPr>
+      </p:pic>
+    </p:spTree>
+  </p:cSld>
+  <p:clrMapOvr>
+    <a:masterClrMapping/>
+  </p:clrMapOvr>
+</p:sld>
+</file>
+
+<file path=ppt/slides/slide15.xml><?xml version="1.0" encoding="utf-8"?>
+<p:sld xmlns:a="http://schemas.openxmlformats.org/drawingml/2006/main" xmlns:r="http://schemas.openxmlformats.org/officeDocument/2006/relationships" xmlns:p="http://schemas.openxmlformats.org/presentationml/2006/main">
+  <p:cSld>
+    <p:bg>
+      <p:bgPr>
+        <a:solidFill>
+          <a:schemeClr val="accent4">
+            <a:lumMod val="40000"/>
+            <a:lumOff val="60000"/>
+          </a:schemeClr>
+        </a:solidFill>
+        <a:effectLst/>
+      </p:bgPr>
+    </p:bg>
+    <p:spTree>
+      <p:nvGrpSpPr>
+        <p:cNvPr id="1" name=""/>
+        <p:cNvGrpSpPr/>
+        <p:nvPr/>
+      </p:nvGrpSpPr>
+      <p:grpSpPr/>
+      <p:sp>
+        <p:nvSpPr>
+          <p:cNvPr id="3" name="文本框 2"/>
+          <p:cNvSpPr txBox="1"/>
+          <p:nvPr/>
+        </p:nvSpPr>
+        <p:spPr>
+          <a:xfrm>
+            <a:off x="428625" y="354330"/>
+            <a:ext cx="4646930" cy="583565"/>
+          </a:xfrm>
+          <a:prstGeom prst="rect">
+            <a:avLst/>
+          </a:prstGeom>
+          <a:noFill/>
+        </p:spPr>
+        <p:txBody>
+          <a:bodyPr wrap="square" rtlCol="0">
+            <a:spAutoFit/>
+          </a:bodyPr>
+          <a:p>
+            <a:r>
+              <a:rPr lang="zh-CN" altLang="en-US" sz="3200"/>
+              <a:t>Spring Boot的配置文件</a:t>
+            </a:r>
+            <a:endParaRPr lang="zh-CN" altLang="en-US" sz="3200"/>
+          </a:p>
+        </p:txBody>
+      </p:sp>
+      <p:sp>
+        <p:nvSpPr>
+          <p:cNvPr id="4" name="文本框 3"/>
+          <p:cNvSpPr txBox="1"/>
+          <p:nvPr/>
+        </p:nvSpPr>
+        <p:spPr>
+          <a:xfrm>
+            <a:off x="1073785" y="1231900"/>
+            <a:ext cx="10766425" cy="829945"/>
+          </a:xfrm>
+          <a:prstGeom prst="rect">
+            <a:avLst/>
+          </a:prstGeom>
+          <a:noFill/>
+        </p:spPr>
+        <p:txBody>
+          <a:bodyPr wrap="square" rtlCol="0">
+            <a:spAutoFit/>
+          </a:bodyPr>
+          <a:p>
+            <a:r>
+              <a:rPr lang="zh-CN" altLang="en-US" sz="2400"/>
+              <a:t>Spring Boot使用一个</a:t>
+            </a:r>
+            <a:r>
+              <a:rPr lang="zh-CN" altLang="en-US" sz="2400" b="1">
+                <a:solidFill>
+                  <a:srgbClr val="FF0000"/>
+                </a:solidFill>
+              </a:rPr>
+              <a:t>全局的配置文件</a:t>
+            </a:r>
+            <a:r>
+              <a:rPr lang="zh-CN" altLang="en-US" sz="2400"/>
+              <a:t>application.properties或者application.yml，配置文件放在src/main/resources目录下</a:t>
+            </a:r>
+            <a:endParaRPr lang="zh-CN" altLang="en-US" sz="2400"/>
+          </a:p>
+        </p:txBody>
+      </p:sp>
+      <p:sp>
+        <p:nvSpPr>
+          <p:cNvPr id="5" name="文本框 4"/>
+          <p:cNvSpPr txBox="1"/>
+          <p:nvPr/>
+        </p:nvSpPr>
+        <p:spPr>
+          <a:xfrm>
+            <a:off x="1073785" y="2482850"/>
+            <a:ext cx="7331710" cy="3415030"/>
+          </a:xfrm>
+          <a:prstGeom prst="rect">
+            <a:avLst/>
+          </a:prstGeom>
+          <a:noFill/>
+        </p:spPr>
+        <p:txBody>
+          <a:bodyPr wrap="square" rtlCol="0">
+            <a:spAutoFit/>
+          </a:bodyPr>
+          <a:p>
+            <a:r>
+              <a:rPr lang="zh-CN" altLang="en-US" sz="2400"/>
+              <a:t>server.port </a:t>
+            </a:r>
+            <a:r>
+              <a:rPr lang="en-US" altLang="zh-CN" sz="2400"/>
+              <a:t>= 80</a:t>
+            </a:r>
+            <a:endParaRPr lang="en-US" altLang="zh-CN" sz="2400"/>
+          </a:p>
+          <a:p>
+            <a:endParaRPr lang="zh-CN" altLang="en-US" sz="2400"/>
+          </a:p>
+          <a:p>
+            <a:r>
+              <a:rPr lang="zh-CN" altLang="en-US" sz="2400"/>
+              <a:t>server.contextPath </a:t>
+            </a:r>
+            <a:r>
+              <a:rPr lang="en-US" altLang="zh-CN" sz="2400"/>
+              <a:t>= /boot</a:t>
+            </a:r>
+            <a:endParaRPr lang="en-US" altLang="zh-CN" sz="2400"/>
+          </a:p>
+          <a:p>
+            <a:endParaRPr lang="zh-CN" altLang="en-US" sz="2400"/>
+          </a:p>
+          <a:p>
+            <a:r>
+              <a:rPr lang="zh-CN" altLang="en-US" sz="2400"/>
+              <a:t>spring.http.encoding.charset=UTF-8</a:t>
+            </a:r>
+            <a:endParaRPr lang="zh-CN" altLang="en-US" sz="2400"/>
+          </a:p>
+          <a:p>
+            <a:endParaRPr lang="zh-CN" altLang="en-US" sz="2400"/>
+          </a:p>
+          <a:p>
+            <a:r>
+              <a:rPr lang="zh-CN" altLang="en-US" sz="2400"/>
+              <a:t>spring.http.encoding.enabled=true</a:t>
+            </a:r>
+            <a:endParaRPr lang="zh-CN" altLang="en-US" sz="2400"/>
+          </a:p>
+          <a:p>
+            <a:endParaRPr lang="zh-CN" altLang="en-US" sz="2400"/>
+          </a:p>
+          <a:p>
+            <a:r>
+              <a:rPr lang="zh-CN" altLang="en-US" sz="2400"/>
+              <a:t>spring.http.encoding.force=true</a:t>
+            </a:r>
+            <a:endParaRPr lang="zh-CN" altLang="en-US" sz="2400"/>
+          </a:p>
+        </p:txBody>
+      </p:sp>
+      <p:pic>
+        <p:nvPicPr>
+          <p:cNvPr id="2" name="图片 1" descr="9"/>
+          <p:cNvPicPr>
+            <a:picLocks noChangeAspect="1"/>
+          </p:cNvPicPr>
+          <p:nvPr/>
+        </p:nvPicPr>
+        <p:blipFill>
+          <a:blip r:embed="rId1"/>
+          <a:stretch>
+            <a:fillRect/>
+          </a:stretch>
+        </p:blipFill>
+        <p:spPr>
+          <a:xfrm>
+            <a:off x="5939155" y="2482850"/>
+            <a:ext cx="5901055" cy="2538730"/>
+          </a:xfrm>
+          <a:prstGeom prst="rect">
+            <a:avLst/>
+          </a:prstGeom>
+        </p:spPr>
+      </p:pic>
+    </p:spTree>
+  </p:cSld>
+  <p:clrMapOvr>
+    <a:masterClrMapping/>
+  </p:clrMapOvr>
+</p:sld>
+</file>
+
+<file path=ppt/slides/slide16.xml><?xml version="1.0" encoding="utf-8"?>
+<p:sld xmlns:a="http://schemas.openxmlformats.org/drawingml/2006/main" xmlns:r="http://schemas.openxmlformats.org/officeDocument/2006/relationships" xmlns:p="http://schemas.openxmlformats.org/presentationml/2006/main">
+  <p:cSld>
+    <p:bg>
+      <p:bgPr>
+        <a:solidFill>
+          <a:schemeClr val="accent4">
+            <a:lumMod val="40000"/>
+            <a:lumOff val="60000"/>
+          </a:schemeClr>
+        </a:solidFill>
+        <a:effectLst/>
+      </p:bgPr>
+    </p:bg>
+    <p:spTree>
+      <p:nvGrpSpPr>
+        <p:cNvPr id="1" name=""/>
+        <p:cNvGrpSpPr/>
+        <p:nvPr/>
+      </p:nvGrpSpPr>
+      <p:grpSpPr/>
+      <p:sp>
+        <p:nvSpPr>
+          <p:cNvPr id="2" name="文本框 1"/>
+          <p:cNvSpPr txBox="1"/>
+          <p:nvPr/>
+        </p:nvSpPr>
+        <p:spPr>
+          <a:xfrm>
             <a:off x="731520" y="499110"/>
             <a:ext cx="7266305" cy="645160"/>
           </a:xfrm>
@@ -3477,7 +4619,7 @@
 </p:sld>
 </file>
 
-<file path=ppt/slides/slide13.xml><?xml version="1.0" encoding="utf-8"?>
+<file path=ppt/slides/slide17.xml><?xml version="1.0" encoding="utf-8"?>
 <p:sld xmlns:a="http://schemas.openxmlformats.org/drawingml/2006/main" xmlns:r="http://schemas.openxmlformats.org/officeDocument/2006/relationships" xmlns:p="http://schemas.openxmlformats.org/presentationml/2006/main">
   <p:cSld>
     <p:bg>
@@ -3530,7 +4672,7 @@
 </p:sld>
 </file>
 
-<file path=ppt/slides/slide14.xml><?xml version="1.0" encoding="utf-8"?>
+<file path=ppt/slides/slide18.xml><?xml version="1.0" encoding="utf-8"?>
 <p:sld xmlns:a="http://schemas.openxmlformats.org/drawingml/2006/main" xmlns:r="http://schemas.openxmlformats.org/officeDocument/2006/relationships" xmlns:p="http://schemas.openxmlformats.org/presentationml/2006/main">
   <p:cSld>
     <p:bg>
@@ -3559,65 +4701,7 @@
 </p:sld>
 </file>
 
-<file path=ppt/slides/slide15.xml><?xml version="1.0" encoding="utf-8"?>
-<p:sld xmlns:a="http://schemas.openxmlformats.org/drawingml/2006/main" xmlns:r="http://schemas.openxmlformats.org/officeDocument/2006/relationships" xmlns:p="http://schemas.openxmlformats.org/presentationml/2006/main">
-  <p:cSld>
-    <p:bg>
-      <p:bgPr>
-        <a:solidFill>
-          <a:schemeClr val="accent4">
-            <a:lumMod val="40000"/>
-            <a:lumOff val="60000"/>
-          </a:schemeClr>
-        </a:solidFill>
-        <a:effectLst/>
-      </p:bgPr>
-    </p:bg>
-    <p:spTree>
-      <p:nvGrpSpPr>
-        <p:cNvPr id="1" name=""/>
-        <p:cNvGrpSpPr/>
-        <p:nvPr/>
-      </p:nvGrpSpPr>
-      <p:grpSpPr/>
-    </p:spTree>
-  </p:cSld>
-  <p:clrMapOvr>
-    <a:masterClrMapping/>
-  </p:clrMapOvr>
-</p:sld>
-</file>
-
-<file path=ppt/slides/slide16.xml><?xml version="1.0" encoding="utf-8"?>
-<p:sld xmlns:a="http://schemas.openxmlformats.org/drawingml/2006/main" xmlns:r="http://schemas.openxmlformats.org/officeDocument/2006/relationships" xmlns:p="http://schemas.openxmlformats.org/presentationml/2006/main">
-  <p:cSld>
-    <p:bg>
-      <p:bgPr>
-        <a:solidFill>
-          <a:schemeClr val="accent4">
-            <a:lumMod val="40000"/>
-            <a:lumOff val="60000"/>
-          </a:schemeClr>
-        </a:solidFill>
-        <a:effectLst/>
-      </p:bgPr>
-    </p:bg>
-    <p:spTree>
-      <p:nvGrpSpPr>
-        <p:cNvPr id="1" name=""/>
-        <p:cNvGrpSpPr/>
-        <p:nvPr/>
-      </p:nvGrpSpPr>
-      <p:grpSpPr/>
-    </p:spTree>
-  </p:cSld>
-  <p:clrMapOvr>
-    <a:masterClrMapping/>
-  </p:clrMapOvr>
-</p:sld>
-</file>
-
-<file path=ppt/slides/slide17.xml><?xml version="1.0" encoding="utf-8"?>
+<file path=ppt/slides/slide19.xml><?xml version="1.0" encoding="utf-8"?>
 <p:sld xmlns:a="http://schemas.openxmlformats.org/drawingml/2006/main" xmlns:r="http://schemas.openxmlformats.org/officeDocument/2006/relationships" xmlns:p="http://schemas.openxmlformats.org/presentationml/2006/main">
   <p:cSld>
     <p:bg>
@@ -3675,6 +4759,64 @@
 </p:sld>
 </file>
 
+<file path=ppt/slides/slide20.xml><?xml version="1.0" encoding="utf-8"?>
+<p:sld xmlns:a="http://schemas.openxmlformats.org/drawingml/2006/main" xmlns:r="http://schemas.openxmlformats.org/officeDocument/2006/relationships" xmlns:p="http://schemas.openxmlformats.org/presentationml/2006/main">
+  <p:cSld>
+    <p:bg>
+      <p:bgPr>
+        <a:solidFill>
+          <a:schemeClr val="accent4">
+            <a:lumMod val="40000"/>
+            <a:lumOff val="60000"/>
+          </a:schemeClr>
+        </a:solidFill>
+        <a:effectLst/>
+      </p:bgPr>
+    </p:bg>
+    <p:spTree>
+      <p:nvGrpSpPr>
+        <p:cNvPr id="1" name=""/>
+        <p:cNvGrpSpPr/>
+        <p:nvPr/>
+      </p:nvGrpSpPr>
+      <p:grpSpPr/>
+    </p:spTree>
+  </p:cSld>
+  <p:clrMapOvr>
+    <a:masterClrMapping/>
+  </p:clrMapOvr>
+</p:sld>
+</file>
+
+<file path=ppt/slides/slide21.xml><?xml version="1.0" encoding="utf-8"?>
+<p:sld xmlns:a="http://schemas.openxmlformats.org/drawingml/2006/main" xmlns:r="http://schemas.openxmlformats.org/officeDocument/2006/relationships" xmlns:p="http://schemas.openxmlformats.org/presentationml/2006/main">
+  <p:cSld>
+    <p:bg>
+      <p:bgPr>
+        <a:solidFill>
+          <a:schemeClr val="accent4">
+            <a:lumMod val="40000"/>
+            <a:lumOff val="60000"/>
+          </a:schemeClr>
+        </a:solidFill>
+        <a:effectLst/>
+      </p:bgPr>
+    </p:bg>
+    <p:spTree>
+      <p:nvGrpSpPr>
+        <p:cNvPr id="1" name=""/>
+        <p:cNvGrpSpPr/>
+        <p:nvPr/>
+      </p:nvGrpSpPr>
+      <p:grpSpPr/>
+    </p:spTree>
+  </p:cSld>
+  <p:clrMapOvr>
+    <a:masterClrMapping/>
+  </p:clrMapOvr>
+</p:sld>
+</file>
+
 <file path=ppt/slides/slide3.xml><?xml version="1.0" encoding="utf-8"?>
 <p:sld xmlns:a="http://schemas.openxmlformats.org/drawingml/2006/main" xmlns:r="http://schemas.openxmlformats.org/officeDocument/2006/relationships" xmlns:p="http://schemas.openxmlformats.org/presentationml/2006/main">
   <p:cSld>
@@ -3792,11 +4934,7 @@
             </a:r>
             <a:r>
               <a:rPr lang="zh-CN" altLang="en-US"/>
-              <a:t>、</a:t>
-            </a:r>
-            <a:r>
-              <a:rPr lang="zh-CN" altLang="en-US"/>
-              <a:t>内嵌Servlet容器</a:t>
+              <a:t>、内嵌Servlet容器</a:t>
             </a:r>
             <a:endParaRPr lang="en-US" altLang="zh-CN"/>
           </a:p>
@@ -3911,7 +5049,7 @@
         </p:nvSpPr>
         <p:spPr>
           <a:xfrm>
-            <a:off x="1047115" y="486410"/>
+            <a:off x="2769235" y="476885"/>
             <a:ext cx="6515100" cy="583565"/>
           </a:xfrm>
           <a:prstGeom prst="rect">
@@ -3973,6 +5111,30 @@
         <p:nvPr/>
       </p:nvGrpSpPr>
       <p:grpSpPr/>
+      <p:pic>
+        <p:nvPicPr>
+          <p:cNvPr id="2" name="图片 1" descr="1"/>
+          <p:cNvPicPr>
+            <a:picLocks noChangeAspect="1"/>
+          </p:cNvPicPr>
+          <p:nvPr/>
+        </p:nvPicPr>
+        <p:blipFill>
+          <a:blip r:embed="rId1"/>
+          <a:stretch>
+            <a:fillRect/>
+          </a:stretch>
+        </p:blipFill>
+        <p:spPr>
+          <a:xfrm>
+            <a:off x="-17145" y="-65405"/>
+            <a:ext cx="12198350" cy="6892925"/>
+          </a:xfrm>
+          <a:prstGeom prst="rect">
+            <a:avLst/>
+          </a:prstGeom>
+        </p:spPr>
+      </p:pic>
     </p:spTree>
   </p:cSld>
   <p:clrMapOvr>
@@ -4004,7 +5166,7 @@
       <p:grpSpPr/>
       <p:pic>
         <p:nvPicPr>
-          <p:cNvPr id="2" name="图片 1" descr="4"/>
+          <p:cNvPr id="3" name="图片 2" descr="2"/>
           <p:cNvPicPr>
             <a:picLocks noChangeAspect="1"/>
           </p:cNvPicPr>
@@ -4018,8 +5180,8 @@
         </p:blipFill>
         <p:spPr>
           <a:xfrm>
-            <a:off x="10795" y="9525"/>
-            <a:ext cx="12176760" cy="6832600"/>
+            <a:off x="635" y="-32385"/>
+            <a:ext cx="12209780" cy="6873875"/>
           </a:xfrm>
           <a:prstGeom prst="rect">
             <a:avLst/>
@@ -4055,146 +5217,30 @@
         <p:nvPr/>
       </p:nvGrpSpPr>
       <p:grpSpPr/>
-      <p:sp>
-        <p:nvSpPr>
-          <p:cNvPr id="2" name="文本框 1"/>
-          <p:cNvSpPr txBox="1"/>
+      <p:pic>
+        <p:nvPicPr>
+          <p:cNvPr id="3" name="图片 2" descr="3"/>
+          <p:cNvPicPr>
+            <a:picLocks noChangeAspect="1"/>
+          </p:cNvPicPr>
           <p:nvPr/>
-        </p:nvSpPr>
-        <p:spPr>
-          <a:xfrm>
-            <a:off x="941705" y="619125"/>
-            <a:ext cx="3041015" cy="521970"/>
+        </p:nvPicPr>
+        <p:blipFill>
+          <a:blip r:embed="rId1"/>
+          <a:stretch>
+            <a:fillRect/>
+          </a:stretch>
+        </p:blipFill>
+        <p:spPr>
+          <a:xfrm>
+            <a:off x="0" y="-2540"/>
+            <a:ext cx="12201525" cy="6856095"/>
           </a:xfrm>
           <a:prstGeom prst="rect">
             <a:avLst/>
           </a:prstGeom>
-          <a:noFill/>
-        </p:spPr>
-        <p:txBody>
-          <a:bodyPr wrap="square" rtlCol="0">
-            <a:spAutoFit/>
-          </a:bodyPr>
-          <a:p>
-            <a:r>
-              <a:rPr lang="zh-CN" altLang="en-US" sz="2800"/>
-              <a:t>注解的解释</a:t>
-            </a:r>
-            <a:endParaRPr lang="zh-CN" altLang="en-US" sz="2800"/>
-          </a:p>
-        </p:txBody>
-      </p:sp>
-      <p:sp>
-        <p:nvSpPr>
-          <p:cNvPr id="3" name="文本框 2"/>
-          <p:cNvSpPr txBox="1"/>
-          <p:nvPr/>
-        </p:nvSpPr>
-        <p:spPr>
-          <a:xfrm>
-            <a:off x="1639570" y="1302385"/>
-            <a:ext cx="8279130" cy="922020"/>
-          </a:xfrm>
-          <a:prstGeom prst="rect">
-            <a:avLst/>
-          </a:prstGeom>
-          <a:noFill/>
-        </p:spPr>
-        <p:txBody>
-          <a:bodyPr wrap="square" rtlCol="0">
-            <a:spAutoFit/>
-          </a:bodyPr>
-          <a:p>
-            <a:r>
-              <a:rPr lang="zh-CN" altLang="en-US"/>
-              <a:t>@SpringBootApplication</a:t>
-            </a:r>
-            <a:endParaRPr lang="zh-CN" altLang="en-US"/>
-          </a:p>
-          <a:p>
-            <a:endParaRPr lang="zh-CN" altLang="en-US"/>
-          </a:p>
-          <a:p>
-            <a:r>
-              <a:rPr lang="en-US" altLang="zh-CN"/>
-              <a:t>       --这是整个Spring Boot的核心注解，它的目的就是开启Spring Boot的自动配置</a:t>
-            </a:r>
-            <a:endParaRPr lang="en-US" altLang="zh-CN"/>
-          </a:p>
-        </p:txBody>
-      </p:sp>
-      <p:sp>
-        <p:nvSpPr>
-          <p:cNvPr id="4" name="文本框 3"/>
-          <p:cNvSpPr txBox="1"/>
-          <p:nvPr/>
-        </p:nvSpPr>
-        <p:spPr>
-          <a:xfrm>
-            <a:off x="1639570" y="2368550"/>
-            <a:ext cx="5804535" cy="922020"/>
-          </a:xfrm>
-          <a:prstGeom prst="rect">
-            <a:avLst/>
-          </a:prstGeom>
-          <a:noFill/>
-        </p:spPr>
-        <p:txBody>
-          <a:bodyPr wrap="square" rtlCol="0">
-            <a:spAutoFit/>
-          </a:bodyPr>
-          <a:p>
-            <a:r>
-              <a:rPr lang="zh-CN" altLang="en-US"/>
-              <a:t>@RestController</a:t>
-            </a:r>
-            <a:endParaRPr lang="zh-CN" altLang="en-US"/>
-          </a:p>
-          <a:p>
-            <a:endParaRPr lang="zh-CN" altLang="en-US"/>
-          </a:p>
-          <a:p>
-            <a:r>
-              <a:rPr lang="zh-CN" altLang="en-US"/>
-              <a:t>       </a:t>
-            </a:r>
-            <a:r>
-              <a:rPr lang="en-US" altLang="zh-CN"/>
-              <a:t>--</a:t>
-            </a:r>
-            <a:endParaRPr lang="en-US" altLang="zh-CN"/>
-          </a:p>
-        </p:txBody>
-      </p:sp>
-      <p:sp>
-        <p:nvSpPr>
-          <p:cNvPr id="5" name="文本框 4"/>
-          <p:cNvSpPr txBox="1"/>
-          <p:nvPr/>
-        </p:nvSpPr>
-        <p:spPr>
-          <a:xfrm>
-            <a:off x="1639570" y="3434715"/>
-            <a:ext cx="6081395" cy="368300"/>
-          </a:xfrm>
-          <a:prstGeom prst="rect">
-            <a:avLst/>
-          </a:prstGeom>
-          <a:noFill/>
-        </p:spPr>
-        <p:txBody>
-          <a:bodyPr wrap="square" rtlCol="0">
-            <a:spAutoFit/>
-          </a:bodyPr>
-          <a:p>
-            <a:r>
-              <a:rPr lang="zh-CN" altLang="en-US"/>
-              <a:t>@RequestMapping</a:t>
-            </a:r>
-            <a:endParaRPr lang="zh-CN" altLang="en-US"/>
-          </a:p>
-        </p:txBody>
-      </p:sp>
+        </p:spPr>
+      </p:pic>
     </p:spTree>
   </p:cSld>
   <p:clrMapOvr>
@@ -4224,86 +5270,30 @@
         <p:nvPr/>
       </p:nvGrpSpPr>
       <p:grpSpPr/>
-      <p:sp>
-        <p:nvSpPr>
-          <p:cNvPr id="2" name="文本框 1"/>
-          <p:cNvSpPr txBox="1"/>
+      <p:pic>
+        <p:nvPicPr>
+          <p:cNvPr id="3" name="图片 2" descr="4"/>
+          <p:cNvPicPr>
+            <a:picLocks noChangeAspect="1"/>
+          </p:cNvPicPr>
           <p:nvPr/>
-        </p:nvSpPr>
-        <p:spPr>
-          <a:xfrm>
-            <a:off x="613410" y="408305"/>
-            <a:ext cx="7212965" cy="583565"/>
+        </p:nvPicPr>
+        <p:blipFill>
+          <a:blip r:embed="rId1"/>
+          <a:stretch>
+            <a:fillRect/>
+          </a:stretch>
+        </p:blipFill>
+        <p:spPr>
+          <a:xfrm>
+            <a:off x="-9525" y="-2540"/>
+            <a:ext cx="12200255" cy="6844030"/>
           </a:xfrm>
           <a:prstGeom prst="rect">
             <a:avLst/>
           </a:prstGeom>
-          <a:noFill/>
-        </p:spPr>
-        <p:txBody>
-          <a:bodyPr wrap="square" rtlCol="0">
-            <a:spAutoFit/>
-          </a:bodyPr>
-          <a:p>
-            <a:r>
-              <a:rPr lang="zh-CN" altLang="en-US" sz="3200"/>
-              <a:t>入口类和@SpringBootApplication注解</a:t>
-            </a:r>
-            <a:endParaRPr lang="zh-CN" altLang="en-US" sz="3200"/>
-          </a:p>
-        </p:txBody>
-      </p:sp>
-      <p:sp>
-        <p:nvSpPr>
-          <p:cNvPr id="3" name="文本框 2"/>
-          <p:cNvSpPr txBox="1"/>
-          <p:nvPr/>
-        </p:nvSpPr>
-        <p:spPr>
-          <a:xfrm>
-            <a:off x="969010" y="4487545"/>
-            <a:ext cx="9385300" cy="922020"/>
-          </a:xfrm>
-          <a:prstGeom prst="rect">
-            <a:avLst/>
-          </a:prstGeom>
-          <a:noFill/>
-        </p:spPr>
-        <p:txBody>
-          <a:bodyPr wrap="square" rtlCol="0">
-            <a:spAutoFit/>
-          </a:bodyPr>
-          <a:p>
-            <a:r>
-              <a:rPr lang="zh-CN" altLang="en-US"/>
-              <a:t>@SpringBootApplication则是一个组合注解</a:t>
-            </a:r>
-            <a:endParaRPr lang="zh-CN" altLang="en-US"/>
-          </a:p>
-          <a:p>
-            <a:r>
-              <a:rPr lang="en-US" altLang="zh-CN"/>
-              <a:t>	</a:t>
-            </a:r>
-            <a:endParaRPr lang="en-US" altLang="zh-CN"/>
-          </a:p>
-          <a:p>
-            <a:r>
-              <a:rPr lang="en-US" altLang="zh-CN"/>
-              <a:t>	@SpringBootConfiguration、@EnableAutoConfiguration</a:t>
-            </a:r>
-            <a:r>
-              <a:rPr lang="zh-CN" altLang="en-US"/>
-              <a:t>、</a:t>
-            </a:r>
-            <a:r>
-              <a:rPr lang="en-US" altLang="zh-CN"/>
-              <a:t>@ComponentScan</a:t>
-            </a:r>
-            <a:endParaRPr lang="en-US" altLang="zh-CN"/>
-          </a:p>
-        </p:txBody>
-      </p:sp>
+        </p:spPr>
+      </p:pic>
     </p:spTree>
   </p:cSld>
   <p:clrMapOvr>
@@ -4335,14 +5325,14 @@
       <p:grpSpPr/>
       <p:sp>
         <p:nvSpPr>
-          <p:cNvPr id="6" name="文本框 5"/>
+          <p:cNvPr id="2" name="文本框 1"/>
           <p:cNvSpPr txBox="1"/>
           <p:nvPr/>
         </p:nvSpPr>
         <p:spPr>
           <a:xfrm>
-            <a:off x="1217930" y="250190"/>
-            <a:ext cx="9516110" cy="6185535"/>
+            <a:off x="958850" y="1134745"/>
+            <a:ext cx="9341485" cy="953135"/>
           </a:xfrm>
           <a:prstGeom prst="rect">
             <a:avLst/>
@@ -4355,149 +5345,160 @@
           </a:bodyPr>
           <a:p>
             <a:r>
+              <a:rPr lang="zh-CN" altLang="en-US" sz="2800"/>
+              <a:t>需要在默认的模板文件夹src/main/resources/templates/目录下添加一个模板文件hello.html</a:t>
+            </a:r>
+            <a:endParaRPr lang="zh-CN" altLang="en-US" sz="2800"/>
+          </a:p>
+        </p:txBody>
+      </p:sp>
+      <p:sp>
+        <p:nvSpPr>
+          <p:cNvPr id="3" name="文本框 2"/>
+          <p:cNvSpPr txBox="1"/>
+          <p:nvPr/>
+        </p:nvSpPr>
+        <p:spPr>
+          <a:xfrm>
+            <a:off x="958850" y="2497455"/>
+            <a:ext cx="9636760" cy="2861310"/>
+          </a:xfrm>
+          <a:prstGeom prst="rect">
+            <a:avLst/>
+          </a:prstGeom>
+          <a:noFill/>
+        </p:spPr>
+        <p:txBody>
+          <a:bodyPr wrap="square" rtlCol="0">
+            <a:spAutoFit/>
+          </a:bodyPr>
+          <a:p>
+            <a:r>
               <a:rPr lang="zh-CN" altLang="en-US"/>
-              <a:t>package org.springframework.boot.autoconfigure;</a:t>
-            </a:r>
-            <a:endParaRPr lang="zh-CN" altLang="en-US"/>
-          </a:p>
-          <a:p>
+              <a:t>&lt;!DOCTYPE HTML&gt;</a:t>
+            </a:r>
             <a:endParaRPr lang="zh-CN" altLang="en-US"/>
           </a:p>
           <a:p>
             <a:r>
               <a:rPr lang="zh-CN" altLang="en-US"/>
-              <a:t>import java.lang.annotation.Documented;</a:t>
+              <a:t>&lt;html xmlns:th="http://www.thymeleaf.org"&gt;</a:t>
             </a:r>
             <a:endParaRPr lang="zh-CN" altLang="en-US"/>
           </a:p>
           <a:p>
             <a:r>
               <a:rPr lang="zh-CN" altLang="en-US"/>
-              <a:t>import java.lang.annotation.ElementType;</a:t>
+              <a:t>&lt;head&gt;</a:t>
             </a:r>
             <a:endParaRPr lang="zh-CN" altLang="en-US"/>
           </a:p>
           <a:p>
             <a:r>
               <a:rPr lang="zh-CN" altLang="en-US"/>
-              <a:t>import java.lang.annotation.Inherited;</a:t>
+              <a:t>    &lt;title&gt;Getting Started: Serving Web Content&lt;/title&gt;</a:t>
             </a:r>
             <a:endParaRPr lang="zh-CN" altLang="en-US"/>
           </a:p>
           <a:p>
             <a:r>
               <a:rPr lang="zh-CN" altLang="en-US"/>
-              <a:t>import java.lang.annotation.Retention;</a:t>
+              <a:t>    &lt;meta http-equiv="Content-Type" content="text/html; charset=UTF-8" /&gt;</a:t>
             </a:r>
             <a:endParaRPr lang="zh-CN" altLang="en-US"/>
           </a:p>
           <a:p>
             <a:r>
               <a:rPr lang="zh-CN" altLang="en-US"/>
-              <a:t>import java.lang.annotation.RetentionPolicy;</a:t>
+              <a:t>&lt;/head&gt;</a:t>
             </a:r>
             <a:endParaRPr lang="zh-CN" altLang="en-US"/>
           </a:p>
           <a:p>
             <a:r>
               <a:rPr lang="zh-CN" altLang="en-US"/>
-              <a:t>import java.lang.annotation.Target;</a:t>
+              <a:t>&lt;body&gt;</a:t>
             </a:r>
             <a:endParaRPr lang="zh-CN" altLang="en-US"/>
           </a:p>
           <a:p>
             <a:r>
               <a:rPr lang="zh-CN" altLang="en-US"/>
-              <a:t>import org.springframework.boot.autoconfigure.EnableAutoConfiguration;</a:t>
+              <a:t>    &lt;p th:text="'Hello, ' + ${name} + '!'" /&gt;</a:t>
             </a:r>
             <a:endParaRPr lang="zh-CN" altLang="en-US"/>
           </a:p>
           <a:p>
             <a:r>
               <a:rPr lang="zh-CN" altLang="en-US"/>
-              <a:t>import org.springframework.context.annotation.ComponentScan;</a:t>
+              <a:t>&lt;/body&gt;</a:t>
             </a:r>
             <a:endParaRPr lang="zh-CN" altLang="en-US"/>
           </a:p>
           <a:p>
             <a:r>
               <a:rPr lang="zh-CN" altLang="en-US"/>
-              <a:t>import org.springframework.context.annotation.Configuration;</a:t>
-            </a:r>
-            <a:endParaRPr lang="zh-CN" altLang="en-US"/>
-          </a:p>
-          <a:p>
-            <a:endParaRPr lang="zh-CN" altLang="en-US"/>
-          </a:p>
-          <a:p>
-            <a:r>
-              <a:rPr lang="zh-CN" altLang="en-US"/>
-              <a:t>@Target({ElementType.TYPE})</a:t>
-            </a:r>
-            <a:endParaRPr lang="zh-CN" altLang="en-US"/>
-          </a:p>
-          <a:p>
-            <a:r>
-              <a:rPr lang="zh-CN" altLang="en-US"/>
-              <a:t>@Retention(RetentionPolicy.RUNTIME)</a:t>
-            </a:r>
-            <a:endParaRPr lang="zh-CN" altLang="en-US"/>
-          </a:p>
-          <a:p>
-            <a:r>
-              <a:rPr lang="zh-CN" altLang="en-US"/>
-              <a:t>@Documented</a:t>
-            </a:r>
-            <a:endParaRPr lang="zh-CN" altLang="en-US"/>
-          </a:p>
-          <a:p>
-            <a:r>
-              <a:rPr lang="zh-CN" altLang="en-US"/>
-              <a:t>@Inherited</a:t>
-            </a:r>
-            <a:endParaRPr lang="zh-CN" altLang="en-US"/>
-          </a:p>
-          <a:p>
-            <a:r>
-              <a:rPr lang="zh-CN" altLang="en-US"/>
-              <a:t>@Configuration</a:t>
-            </a:r>
-            <a:endParaRPr lang="zh-CN" altLang="en-US"/>
-          </a:p>
-          <a:p>
-            <a:r>
-              <a:rPr lang="zh-CN" altLang="en-US"/>
-              <a:t>@EnableAutoConfiguration</a:t>
-            </a:r>
-            <a:endParaRPr lang="zh-CN" altLang="en-US"/>
-          </a:p>
-          <a:p>
-            <a:r>
-              <a:rPr lang="zh-CN" altLang="en-US"/>
-              <a:t>@ComponentScan</a:t>
-            </a:r>
-            <a:endParaRPr lang="zh-CN" altLang="en-US"/>
-          </a:p>
-          <a:p>
-            <a:r>
-              <a:rPr lang="zh-CN" altLang="en-US"/>
-              <a:t>public @interface SpringBootApplication {</a:t>
-            </a:r>
-            <a:endParaRPr lang="zh-CN" altLang="en-US"/>
-          </a:p>
-          <a:p>
-            <a:r>
-              <a:rPr lang="zh-CN" altLang="en-US"/>
-              <a:t>    Class&lt;?&gt;[] exclude() default {};</a:t>
-            </a:r>
-            <a:endParaRPr lang="zh-CN" altLang="en-US"/>
-          </a:p>
-          <a:p>
-            <a:r>
-              <a:rPr lang="zh-CN" altLang="en-US"/>
-              <a:t>}</a:t>
-            </a:r>
-            <a:endParaRPr lang="zh-CN" altLang="en-US"/>
+              <a:t>&lt;/html&gt;</a:t>
+            </a:r>
+            <a:endParaRPr lang="zh-CN" altLang="en-US"/>
+          </a:p>
+        </p:txBody>
+      </p:sp>
+      <p:sp>
+        <p:nvSpPr>
+          <p:cNvPr id="4" name="文本框 3"/>
+          <p:cNvSpPr txBox="1"/>
+          <p:nvPr/>
+        </p:nvSpPr>
+        <p:spPr>
+          <a:xfrm>
+            <a:off x="969010" y="5702935"/>
+            <a:ext cx="10291445" cy="829945"/>
+          </a:xfrm>
+          <a:prstGeom prst="rect">
+            <a:avLst/>
+          </a:prstGeom>
+          <a:noFill/>
+        </p:spPr>
+        <p:txBody>
+          <a:bodyPr wrap="square" rtlCol="0">
+            <a:spAutoFit/>
+          </a:bodyPr>
+          <a:p>
+            <a:r>
+              <a:rPr lang="zh-CN" altLang="en-US" sz="2400"/>
+              <a:t>返回值"hello"并非直接将字符串返回给浏览器，而是寻找名字为hello的模板进行渲染</a:t>
+            </a:r>
+            <a:endParaRPr lang="zh-CN" altLang="en-US" sz="2400"/>
+          </a:p>
+        </p:txBody>
+      </p:sp>
+      <p:sp>
+        <p:nvSpPr>
+          <p:cNvPr id="5" name="文本框 4"/>
+          <p:cNvSpPr txBox="1"/>
+          <p:nvPr/>
+        </p:nvSpPr>
+        <p:spPr>
+          <a:xfrm>
+            <a:off x="577850" y="233680"/>
+            <a:ext cx="2886075" cy="583565"/>
+          </a:xfrm>
+          <a:prstGeom prst="rect">
+            <a:avLst/>
+          </a:prstGeom>
+          <a:noFill/>
+        </p:spPr>
+        <p:txBody>
+          <a:bodyPr wrap="square" rtlCol="0">
+            <a:spAutoFit/>
+          </a:bodyPr>
+          <a:p>
+            <a:r>
+              <a:rPr lang="zh-CN" altLang="en-US" sz="3200"/>
+              <a:t>模板文件</a:t>
+            </a:r>
+            <a:endParaRPr lang="zh-CN" altLang="en-US" sz="3200"/>
           </a:p>
         </p:txBody>
       </p:sp>
@@ -4766,4 +5767,263 @@
     </a:ext>
   </a:extLst>
 </a:theme>
+</file>
+
+<file path=ppt/theme/theme2.xml><?xml version="1.0" encoding="utf-8"?>
+<a:theme xmlns:a="http://schemas.openxmlformats.org/drawingml/2006/main" name="Office 主题">
+  <a:themeElements>
+    <a:clrScheme name="Office">
+      <a:dk1>
+        <a:sysClr val="windowText" lastClr="000000"/>
+      </a:dk1>
+      <a:lt1>
+        <a:sysClr val="window" lastClr="FFFFFF"/>
+      </a:lt1>
+      <a:dk2>
+        <a:srgbClr val="44546A"/>
+      </a:dk2>
+      <a:lt2>
+        <a:srgbClr val="E7E6E6"/>
+      </a:lt2>
+      <a:accent1>
+        <a:srgbClr val="5B9BD5"/>
+      </a:accent1>
+      <a:accent2>
+        <a:srgbClr val="ED7D31"/>
+      </a:accent2>
+      <a:accent3>
+        <a:srgbClr val="A5A5A5"/>
+      </a:accent3>
+      <a:accent4>
+        <a:srgbClr val="FFC000"/>
+      </a:accent4>
+      <a:accent5>
+        <a:srgbClr val="4472C4"/>
+      </a:accent5>
+      <a:accent6>
+        <a:srgbClr val="70AD47"/>
+      </a:accent6>
+      <a:hlink>
+        <a:srgbClr val="0563C1"/>
+      </a:hlink>
+      <a:folHlink>
+        <a:srgbClr val="954F72"/>
+      </a:folHlink>
+    </a:clrScheme>
+    <a:fontScheme name="Office">
+      <a:majorFont>
+        <a:latin typeface="Calibri Light"/>
+        <a:ea typeface=""/>
+        <a:cs typeface=""/>
+        <a:font script="Jpan" typeface="ＭＳ Ｐゴシック"/>
+        <a:font script="Hang" typeface="맑은 고딕"/>
+        <a:font script="Hans" typeface="宋体"/>
+        <a:font script="Hant" typeface="新細明體"/>
+        <a:font script="Arab" typeface="Times New Roman"/>
+        <a:font script="Hebr" typeface="Times New Roman"/>
+        <a:font script="Thai" typeface="Angsana New"/>
+        <a:font script="Ethi" typeface="Nyala"/>
+        <a:font script="Beng" typeface="Vrinda"/>
+        <a:font script="Gujr" typeface="Shruti"/>
+        <a:font script="Khmr" typeface="MoolBoran"/>
+        <a:font script="Knda" typeface="Tunga"/>
+        <a:font script="Guru" typeface="Raavi"/>
+        <a:font script="Cans" typeface="Euphemia"/>
+        <a:font script="Cher" typeface="Plantagenet Cherokee"/>
+        <a:font script="Yiii" typeface="Microsoft Yi Baiti"/>
+        <a:font script="Tibt" typeface="Microsoft Himalaya"/>
+        <a:font script="Thaa" typeface="MV Boli"/>
+        <a:font script="Deva" typeface="Mangal"/>
+        <a:font script="Telu" typeface="Gautami"/>
+        <a:font script="Taml" typeface="Latha"/>
+        <a:font script="Syrc" typeface="Estrangelo Edessa"/>
+        <a:font script="Orya" typeface="Kalinga"/>
+        <a:font script="Mlym" typeface="Kartika"/>
+        <a:font script="Laoo" typeface="DokChampa"/>
+        <a:font script="Sinh" typeface="Iskoola Pota"/>
+        <a:font script="Mong" typeface="Mongolian Baiti"/>
+        <a:font script="Viet" typeface="Times New Roman"/>
+        <a:font script="Uigh" typeface="Microsoft Uighur"/>
+        <a:font script="Geor" typeface="Sylfaen"/>
+      </a:majorFont>
+      <a:minorFont>
+        <a:latin typeface="Calibri"/>
+        <a:ea typeface=""/>
+        <a:cs typeface=""/>
+        <a:font script="Jpan" typeface="ＭＳ Ｐゴシック"/>
+        <a:font script="Hang" typeface="맑은 고딕"/>
+        <a:font script="Hans" typeface="宋体"/>
+        <a:font script="Hant" typeface="新細明體"/>
+        <a:font script="Arab" typeface="Arial"/>
+        <a:font script="Hebr" typeface="Arial"/>
+        <a:font script="Thai" typeface="Cordia New"/>
+        <a:font script="Ethi" typeface="Nyala"/>
+        <a:font script="Beng" typeface="Vrinda"/>
+        <a:font script="Gujr" typeface="Shruti"/>
+        <a:font script="Khmr" typeface="DaunPenh"/>
+        <a:font script="Knda" typeface="Tunga"/>
+        <a:font script="Guru" typeface="Raavi"/>
+        <a:font script="Cans" typeface="Euphemia"/>
+        <a:font script="Cher" typeface="Plantagenet Cherokee"/>
+        <a:font script="Yiii" typeface="Microsoft Yi Baiti"/>
+        <a:font script="Tibt" typeface="Microsoft Himalaya"/>
+        <a:font script="Thaa" typeface="MV Boli"/>
+        <a:font script="Deva" typeface="Mangal"/>
+        <a:font script="Telu" typeface="Gautami"/>
+        <a:font script="Taml" typeface="Latha"/>
+        <a:font script="Syrc" typeface="Estrangelo Edessa"/>
+        <a:font script="Orya" typeface="Kalinga"/>
+        <a:font script="Mlym" typeface="Kartika"/>
+        <a:font script="Laoo" typeface="DokChampa"/>
+        <a:font script="Sinh" typeface="Iskoola Pota"/>
+        <a:font script="Mong" typeface="Mongolian Baiti"/>
+        <a:font script="Viet" typeface="Arial"/>
+        <a:font script="Uigh" typeface="Microsoft Uighur"/>
+        <a:font script="Geor" typeface="Sylfaen"/>
+      </a:minorFont>
+    </a:fontScheme>
+    <a:fmtScheme name="Office">
+      <a:fillStyleLst>
+        <a:solidFill>
+          <a:schemeClr val="phClr"/>
+        </a:solidFill>
+        <a:gradFill rotWithShape="1">
+          <a:gsLst>
+            <a:gs pos="0">
+              <a:schemeClr val="phClr">
+                <a:lumMod val="110000"/>
+                <a:satMod val="105000"/>
+                <a:tint val="67000"/>
+              </a:schemeClr>
+            </a:gs>
+            <a:gs pos="50000">
+              <a:schemeClr val="phClr">
+                <a:lumMod val="105000"/>
+                <a:satMod val="103000"/>
+                <a:tint val="73000"/>
+              </a:schemeClr>
+            </a:gs>
+            <a:gs pos="100000">
+              <a:schemeClr val="phClr">
+                <a:lumMod val="105000"/>
+                <a:satMod val="109000"/>
+                <a:tint val="81000"/>
+              </a:schemeClr>
+            </a:gs>
+          </a:gsLst>
+          <a:lin ang="5400000" scaled="0"/>
+        </a:gradFill>
+        <a:gradFill rotWithShape="1">
+          <a:gsLst>
+            <a:gs pos="0">
+              <a:schemeClr val="phClr">
+                <a:satMod val="103000"/>
+                <a:lumMod val="102000"/>
+                <a:tint val="94000"/>
+              </a:schemeClr>
+            </a:gs>
+            <a:gs pos="50000">
+              <a:schemeClr val="phClr">
+                <a:satMod val="110000"/>
+                <a:lumMod val="100000"/>
+                <a:shade val="100000"/>
+              </a:schemeClr>
+            </a:gs>
+            <a:gs pos="100000">
+              <a:schemeClr val="phClr">
+                <a:lumMod val="99000"/>
+                <a:satMod val="120000"/>
+                <a:shade val="78000"/>
+              </a:schemeClr>
+            </a:gs>
+          </a:gsLst>
+          <a:lin ang="5400000" scaled="0"/>
+        </a:gradFill>
+      </a:fillStyleLst>
+      <a:lnStyleLst>
+        <a:ln w="6350" cap="flat" cmpd="sng" algn="ctr">
+          <a:solidFill>
+            <a:schemeClr val="phClr"/>
+          </a:solidFill>
+          <a:prstDash val="solid"/>
+          <a:miter lim="800000"/>
+        </a:ln>
+        <a:ln w="12700" cap="flat" cmpd="sng" algn="ctr">
+          <a:solidFill>
+            <a:schemeClr val="phClr"/>
+          </a:solidFill>
+          <a:prstDash val="solid"/>
+          <a:miter lim="800000"/>
+        </a:ln>
+        <a:ln w="19050" cap="flat" cmpd="sng" algn="ctr">
+          <a:solidFill>
+            <a:schemeClr val="phClr"/>
+          </a:solidFill>
+          <a:prstDash val="solid"/>
+          <a:miter lim="800000"/>
+        </a:ln>
+      </a:lnStyleLst>
+      <a:effectStyleLst>
+        <a:effectStyle>
+          <a:effectLst/>
+        </a:effectStyle>
+        <a:effectStyle>
+          <a:effectLst/>
+        </a:effectStyle>
+        <a:effectStyle>
+          <a:effectLst>
+            <a:outerShdw blurRad="57150" dist="19050" dir="5400000" algn="ctr" rotWithShape="0">
+              <a:srgbClr val="000000">
+                <a:alpha val="63000"/>
+              </a:srgbClr>
+            </a:outerShdw>
+          </a:effectLst>
+        </a:effectStyle>
+      </a:effectStyleLst>
+      <a:bgFillStyleLst>
+        <a:solidFill>
+          <a:schemeClr val="phClr"/>
+        </a:solidFill>
+        <a:solidFill>
+          <a:schemeClr val="phClr">
+            <a:tint val="95000"/>
+            <a:satMod val="170000"/>
+          </a:schemeClr>
+        </a:solidFill>
+        <a:gradFill rotWithShape="1">
+          <a:gsLst>
+            <a:gs pos="0">
+              <a:schemeClr val="phClr">
+                <a:tint val="93000"/>
+                <a:satMod val="150000"/>
+                <a:shade val="98000"/>
+                <a:lumMod val="102000"/>
+              </a:schemeClr>
+            </a:gs>
+            <a:gs pos="50000">
+              <a:schemeClr val="phClr">
+                <a:tint val="98000"/>
+                <a:satMod val="130000"/>
+                <a:shade val="90000"/>
+                <a:lumMod val="103000"/>
+              </a:schemeClr>
+            </a:gs>
+            <a:gs pos="100000">
+              <a:schemeClr val="phClr">
+                <a:shade val="63000"/>
+                <a:satMod val="120000"/>
+              </a:schemeClr>
+            </a:gs>
+          </a:gsLst>
+          <a:lin ang="5400000" scaled="0"/>
+        </a:gradFill>
+      </a:bgFillStyleLst>
+    </a:fmtScheme>
+  </a:themeElements>
+  <a:extLst>
+    <a:ext uri="{05A4C25C-085E-4340-85A3-A5531E510DB2}">
+      <thm15:themeFamily xmlns:thm15="http://schemas.microsoft.com/office/thememl/2012/main" name="Office Theme" id="{62F939B6-93AF-4DB8-9C6B-D6C7DFDC589F}" vid="{4A3C46E8-61CC-4603-A589-7422A47A8E4A}"/>
+    </a:ext>
+  </a:extLst>
+</a:theme>
 </file>
--- a/SpringBoot.pptx
+++ b/SpringBoot.pptx
@@ -3339,6 +3339,134 @@
         <p:nvPr/>
       </p:nvGrpSpPr>
       <p:grpSpPr/>
+      <p:sp>
+        <p:nvSpPr>
+          <p:cNvPr id="2" name="文本框 1"/>
+          <p:cNvSpPr txBox="1"/>
+          <p:nvPr/>
+        </p:nvSpPr>
+        <p:spPr>
+          <a:xfrm>
+            <a:off x="1607185" y="776605"/>
+            <a:ext cx="8977630" cy="706755"/>
+          </a:xfrm>
+          <a:prstGeom prst="rect">
+            <a:avLst/>
+          </a:prstGeom>
+          <a:noFill/>
+        </p:spPr>
+        <p:txBody>
+          <a:bodyPr wrap="square" rtlCol="0">
+            <a:spAutoFit/>
+          </a:bodyPr>
+          <a:p>
+            <a:r>
+              <a:rPr lang="en-US" altLang="zh-CN" sz="4000" b="1"/>
+              <a:t>Java EE </a:t>
+            </a:r>
+            <a:r>
+              <a:rPr lang="zh-CN" altLang="en-US" sz="4000" b="1"/>
+              <a:t>开发的颠覆者 </a:t>
+            </a:r>
+            <a:r>
+              <a:rPr lang="en-US" altLang="zh-CN" sz="4000" b="1"/>
+              <a:t>Spring Boot </a:t>
+            </a:r>
+            <a:r>
+              <a:rPr lang="zh-CN" altLang="en-US" sz="4000" b="1"/>
+              <a:t>实战</a:t>
+            </a:r>
+            <a:endParaRPr lang="zh-CN" altLang="en-US" sz="4000" b="1"/>
+          </a:p>
+        </p:txBody>
+      </p:sp>
+      <p:sp>
+        <p:nvSpPr>
+          <p:cNvPr id="3" name="文本框 2"/>
+          <p:cNvSpPr txBox="1"/>
+          <p:nvPr/>
+        </p:nvSpPr>
+        <p:spPr>
+          <a:xfrm>
+            <a:off x="8228330" y="4567555"/>
+            <a:ext cx="1934845" cy="645160"/>
+          </a:xfrm>
+          <a:prstGeom prst="rect">
+            <a:avLst/>
+          </a:prstGeom>
+          <a:noFill/>
+        </p:spPr>
+        <p:txBody>
+          <a:bodyPr wrap="square" rtlCol="0">
+            <a:spAutoFit/>
+          </a:bodyPr>
+          <a:p>
+            <a:r>
+              <a:rPr lang="zh-CN" altLang="en-US" sz="3600"/>
+              <a:t>桂进康</a:t>
+            </a:r>
+            <a:endParaRPr lang="zh-CN" altLang="en-US" sz="3600"/>
+          </a:p>
+        </p:txBody>
+      </p:sp>
+      <p:sp>
+        <p:nvSpPr>
+          <p:cNvPr id="4" name="文本框 3"/>
+          <p:cNvSpPr txBox="1"/>
+          <p:nvPr/>
+        </p:nvSpPr>
+        <p:spPr>
+          <a:xfrm>
+            <a:off x="7769860" y="5396230"/>
+            <a:ext cx="2852420" cy="645160"/>
+          </a:xfrm>
+          <a:prstGeom prst="rect">
+            <a:avLst/>
+          </a:prstGeom>
+          <a:noFill/>
+        </p:spPr>
+        <p:txBody>
+          <a:bodyPr wrap="square" rtlCol="0">
+            <a:spAutoFit/>
+          </a:bodyPr>
+          <a:p>
+            <a:r>
+              <a:rPr lang="zh-CN" altLang="en-US" sz="3600"/>
+              <a:t>产品研发部</a:t>
+            </a:r>
+            <a:endParaRPr lang="zh-CN" altLang="en-US" sz="3600"/>
+          </a:p>
+        </p:txBody>
+      </p:sp>
+      <p:sp>
+        <p:nvSpPr>
+          <p:cNvPr id="5" name="文本框 4"/>
+          <p:cNvSpPr txBox="1"/>
+          <p:nvPr/>
+        </p:nvSpPr>
+        <p:spPr>
+          <a:xfrm>
+            <a:off x="4785360" y="1920875"/>
+            <a:ext cx="2331085" cy="706755"/>
+          </a:xfrm>
+          <a:prstGeom prst="rect">
+            <a:avLst/>
+          </a:prstGeom>
+          <a:noFill/>
+        </p:spPr>
+        <p:txBody>
+          <a:bodyPr wrap="square" rtlCol="0">
+            <a:spAutoFit/>
+          </a:bodyPr>
+          <a:p>
+            <a:r>
+              <a:rPr lang="zh-CN" altLang="en-US" sz="4000" b="1"/>
+              <a:t>读书分享</a:t>
+            </a:r>
+            <a:endParaRPr lang="zh-CN" altLang="en-US" sz="4000" b="1"/>
+          </a:p>
+        </p:txBody>
+      </p:sp>
     </p:spTree>
   </p:cSld>
   <p:clrMapOvr>
@@ -4731,7 +4859,7 @@
 </file>
 
 <file path=ppt/slides/slide2.xml><?xml version="1.0" encoding="utf-8"?>
-<p:sld xmlns:a="http://schemas.openxmlformats.org/drawingml/2006/main" xmlns:r="http://schemas.openxmlformats.org/officeDocument/2006/relationships" xmlns:p="http://schemas.openxmlformats.org/presentationml/2006/main">
+<p:sld xmlns:a="http://schemas.openxmlformats.org/drawingml/2006/main" xmlns:r="http://schemas.openxmlformats.org/officeDocument/2006/relationships" xmlns:p="http://schemas.openxmlformats.org/presentationml/2006/main" show="0">
   <p:cSld>
     <p:bg>
       <p:bgPr>
@@ -4751,11 +4879,181 @@
         <p:nvPr/>
       </p:nvGrpSpPr>
       <p:grpSpPr/>
+      <p:sp>
+        <p:nvSpPr>
+          <p:cNvPr id="3" name="矩形 2"/>
+          <p:cNvSpPr/>
+          <p:nvPr/>
+        </p:nvSpPr>
+        <p:spPr>
+          <a:xfrm>
+            <a:off x="323850" y="300990"/>
+            <a:ext cx="4041140" cy="763270"/>
+          </a:xfrm>
+          <a:prstGeom prst="rect">
+            <a:avLst/>
+          </a:prstGeom>
+        </p:spPr>
+        <p:style>
+          <a:lnRef idx="2">
+            <a:schemeClr val="accent4">
+              <a:shade val="50000"/>
+            </a:schemeClr>
+          </a:lnRef>
+          <a:fillRef idx="1">
+            <a:schemeClr val="accent4"/>
+          </a:fillRef>
+          <a:effectRef idx="0">
+            <a:schemeClr val="accent4"/>
+          </a:effectRef>
+          <a:fontRef idx="minor">
+            <a:schemeClr val="lt1"/>
+          </a:fontRef>
+        </p:style>
+        <p:txBody>
+          <a:bodyPr rtlCol="0" anchor="ctr"/>
+          <a:p>
+            <a:pPr algn="ctr"/>
+            <a:r>
+              <a:rPr lang="en-US" altLang="zh-CN" sz="4000" b="1">
+                <a:solidFill>
+                  <a:schemeClr val="tx1"/>
+                </a:solidFill>
+              </a:rPr>
+              <a:t>spring boot </a:t>
+            </a:r>
+            <a:r>
+              <a:rPr lang="zh-CN" altLang="en-US" sz="4000" b="1">
+                <a:solidFill>
+                  <a:schemeClr val="tx1"/>
+                </a:solidFill>
+              </a:rPr>
+              <a:t>概述</a:t>
+            </a:r>
+            <a:endParaRPr lang="zh-CN" altLang="en-US" sz="4000" b="1">
+              <a:solidFill>
+                <a:schemeClr val="tx1"/>
+              </a:solidFill>
+            </a:endParaRPr>
+          </a:p>
+        </p:txBody>
+      </p:sp>
+      <p:sp>
+        <p:nvSpPr>
+          <p:cNvPr id="2" name="文本框 1"/>
+          <p:cNvSpPr txBox="1"/>
+          <p:nvPr/>
+        </p:nvSpPr>
+        <p:spPr>
+          <a:xfrm>
+            <a:off x="920750" y="1609090"/>
+            <a:ext cx="10319385" cy="2122805"/>
+          </a:xfrm>
+          <a:prstGeom prst="rect">
+            <a:avLst/>
+          </a:prstGeom>
+          <a:noFill/>
+        </p:spPr>
+        <p:txBody>
+          <a:bodyPr wrap="square" rtlCol="0">
+            <a:spAutoFit/>
+          </a:bodyPr>
+          <a:p>
+            <a:r>
+              <a:rPr lang="en-US" altLang="zh-CN" sz="2800" b="1"/>
+              <a:t>1</a:t>
+            </a:r>
+            <a:r>
+              <a:rPr lang="zh-CN" altLang="en-US" sz="2800" b="1"/>
+              <a:t>、</a:t>
+            </a:r>
+            <a:r>
+              <a:rPr lang="zh-CN" altLang="en-US" sz="2800" b="1"/>
+              <a:t>Spring Boot可以让我们快速搭建一个基于Spring的项目环境</a:t>
+            </a:r>
+            <a:endParaRPr lang="zh-CN" altLang="en-US" sz="2800" b="1"/>
+          </a:p>
+          <a:p>
+            <a:endParaRPr lang="zh-CN" altLang="en-US" sz="2800" b="1"/>
+          </a:p>
+          <a:p>
+            <a:r>
+              <a:rPr lang="zh-CN" altLang="en-US" sz="2800" b="1"/>
+              <a:t>       </a:t>
+            </a:r>
+            <a:r>
+              <a:rPr lang="en-US" altLang="zh-CN" sz="2800" b="1"/>
+              <a:t>--</a:t>
+            </a:r>
+            <a:r>
+              <a:rPr lang="en-US" altLang="zh-CN" sz="2400" b="1"/>
+              <a:t>快速启动一个Web容器</a:t>
+            </a:r>
+            <a:endParaRPr lang="en-US" altLang="zh-CN" sz="2400" b="1"/>
+          </a:p>
+          <a:p>
+            <a:r>
+              <a:rPr lang="en-US" altLang="zh-CN" sz="2400" b="1"/>
+              <a:t>        --继承了原有Spring框架的优秀基因</a:t>
+            </a:r>
+            <a:endParaRPr lang="en-US" altLang="zh-CN" sz="2400" b="1"/>
+          </a:p>
+          <a:p>
+            <a:r>
+              <a:rPr lang="en-US" altLang="zh-CN" sz="2400" b="1"/>
+              <a:t>        --简化了使用Spring的过程</a:t>
+            </a:r>
+            <a:endParaRPr lang="en-US" altLang="zh-CN" sz="2400" b="1"/>
+          </a:p>
+        </p:txBody>
+      </p:sp>
+      <p:sp>
+        <p:nvSpPr>
+          <p:cNvPr id="4" name="文本框 3"/>
+          <p:cNvSpPr txBox="1"/>
+          <p:nvPr/>
+        </p:nvSpPr>
+        <p:spPr>
+          <a:xfrm>
+            <a:off x="920750" y="4081145"/>
+            <a:ext cx="10673715" cy="953135"/>
+          </a:xfrm>
+          <a:prstGeom prst="rect">
+            <a:avLst/>
+          </a:prstGeom>
+          <a:noFill/>
+        </p:spPr>
+        <p:txBody>
+          <a:bodyPr wrap="square" rtlCol="0">
+            <a:spAutoFit/>
+          </a:bodyPr>
+          <a:p>
+            <a:r>
+              <a:rPr lang="en-US" altLang="zh-CN" sz="2800" b="1"/>
+              <a:t>2</a:t>
+            </a:r>
+            <a:r>
+              <a:rPr lang="zh-CN" altLang="en-US" sz="2800" b="1"/>
+              <a:t>、</a:t>
+            </a:r>
+            <a:r>
+              <a:rPr lang="en-US" altLang="zh-CN" sz="2800" b="1"/>
+              <a:t>Spring Boot </a:t>
+            </a:r>
+            <a:r>
+              <a:rPr lang="zh-CN" altLang="en-US" sz="2800" b="1"/>
+              <a:t>不是新的框架，更不是什么新技术，目标不是为已解决的问题域提供新的解决方案，从而简化对这些已有技术的使用</a:t>
+            </a:r>
+            <a:endParaRPr lang="zh-CN" altLang="en-US" sz="2800" b="1"/>
+          </a:p>
+        </p:txBody>
+      </p:sp>
     </p:spTree>
   </p:cSld>
   <p:clrMapOvr>
     <a:masterClrMapping/>
   </p:clrMapOvr>
+  <p:transition/>
 </p:sld>
 </file>
 
@@ -4809,6 +5107,43 @@
         <p:nvPr/>
       </p:nvGrpSpPr>
       <p:grpSpPr/>
+      <p:sp>
+        <p:nvSpPr>
+          <p:cNvPr id="2" name="文本框 1"/>
+          <p:cNvSpPr txBox="1"/>
+          <p:nvPr/>
+        </p:nvSpPr>
+        <p:spPr>
+          <a:xfrm>
+            <a:off x="2916555" y="2684780"/>
+            <a:ext cx="6358890" cy="1014730"/>
+          </a:xfrm>
+          <a:prstGeom prst="rect">
+            <a:avLst/>
+          </a:prstGeom>
+          <a:noFill/>
+        </p:spPr>
+        <p:txBody>
+          <a:bodyPr wrap="square" rtlCol="0">
+            <a:spAutoFit/>
+          </a:bodyPr>
+          <a:p>
+            <a:r>
+              <a:rPr lang="en-US" altLang="zh-CN" sz="6000" b="1">
+                <a:solidFill>
+                  <a:srgbClr val="FF0000"/>
+                </a:solidFill>
+              </a:rPr>
+              <a:t>To Be Continued...</a:t>
+            </a:r>
+            <a:endParaRPr lang="en-US" altLang="zh-CN" sz="6000" b="1">
+              <a:solidFill>
+                <a:srgbClr val="FF0000"/>
+              </a:solidFill>
+            </a:endParaRPr>
+          </a:p>
+        </p:txBody>
+      </p:sp>
     </p:spTree>
   </p:cSld>
   <p:clrMapOvr>
@@ -4846,8 +5181,8 @@
         </p:nvSpPr>
         <p:spPr>
           <a:xfrm>
-            <a:off x="1047115" y="697230"/>
-            <a:ext cx="6108065" cy="583565"/>
+            <a:off x="593725" y="368300"/>
+            <a:ext cx="6108065" cy="706755"/>
           </a:xfrm>
           <a:prstGeom prst="rect">
             <a:avLst/>
@@ -4860,14 +5195,14 @@
           </a:bodyPr>
           <a:p>
             <a:r>
-              <a:rPr lang="en-US" altLang="zh-CN" sz="3200"/>
+              <a:rPr lang="en-US" altLang="zh-CN" sz="4000" b="1"/>
               <a:t>SpringBoot </a:t>
             </a:r>
             <a:r>
-              <a:rPr lang="zh-CN" altLang="en-US" sz="3200"/>
+              <a:rPr lang="zh-CN" altLang="en-US" sz="4000" b="1"/>
               <a:t>核心功能</a:t>
             </a:r>
-            <a:endParaRPr lang="zh-CN" altLang="en-US" sz="3200"/>
+            <a:endParaRPr lang="zh-CN" altLang="en-US" sz="4000" b="1"/>
           </a:p>
         </p:txBody>
       </p:sp>
@@ -4879,8 +5214,8 @@
         </p:nvSpPr>
         <p:spPr>
           <a:xfrm>
-            <a:off x="1494790" y="1724025"/>
-            <a:ext cx="7068820" cy="645160"/>
+            <a:off x="1501775" y="1395095"/>
+            <a:ext cx="5200015" cy="829945"/>
           </a:xfrm>
           <a:prstGeom prst="rect">
             <a:avLst/>
@@ -4893,17 +5228,17 @@
           </a:bodyPr>
           <a:p>
             <a:r>
-              <a:rPr lang="zh-CN" altLang="en-US"/>
+              <a:rPr lang="zh-CN" altLang="en-US" sz="2400" b="1"/>
               <a:t>1、独立运行的Spring项目</a:t>
             </a:r>
-            <a:endParaRPr lang="zh-CN" altLang="en-US"/>
-          </a:p>
-          <a:p>
-            <a:r>
-              <a:rPr lang="en-US" altLang="zh-CN"/>
+            <a:endParaRPr lang="zh-CN" altLang="en-US" sz="2400" b="1"/>
+          </a:p>
+          <a:p>
+            <a:r>
+              <a:rPr lang="en-US" altLang="zh-CN" sz="2400" b="1"/>
               <a:t>    -- Java -jar xx.jar</a:t>
             </a:r>
-            <a:endParaRPr lang="en-US" altLang="zh-CN"/>
+            <a:endParaRPr lang="en-US" altLang="zh-CN" sz="2400" b="1"/>
           </a:p>
         </p:txBody>
       </p:sp>
@@ -4915,8 +5250,8 @@
         </p:nvSpPr>
         <p:spPr>
           <a:xfrm>
-            <a:off x="1501775" y="2684145"/>
-            <a:ext cx="5199380" cy="368300"/>
+            <a:off x="1501775" y="2486660"/>
+            <a:ext cx="6489700" cy="460375"/>
           </a:xfrm>
           <a:prstGeom prst="rect">
             <a:avLst/>
@@ -4929,14 +5264,14 @@
           </a:bodyPr>
           <a:p>
             <a:r>
-              <a:rPr lang="en-US" altLang="zh-CN"/>
+              <a:rPr lang="en-US" altLang="zh-CN" sz="2400" b="1"/>
               <a:t>2</a:t>
             </a:r>
             <a:r>
-              <a:rPr lang="zh-CN" altLang="en-US"/>
-              <a:t>、内嵌Servlet容器</a:t>
-            </a:r>
-            <a:endParaRPr lang="en-US" altLang="zh-CN"/>
+              <a:rPr lang="zh-CN" altLang="en-US" sz="2400" b="1"/>
+              <a:t>、内嵌Servlet容器，无需部署WAR文件</a:t>
+            </a:r>
+            <a:endParaRPr lang="zh-CN" altLang="en-US" sz="2400" b="1"/>
           </a:p>
         </p:txBody>
       </p:sp>
@@ -4948,8 +5283,8 @@
         </p:nvSpPr>
         <p:spPr>
           <a:xfrm>
-            <a:off x="1494790" y="3474085"/>
-            <a:ext cx="6160135" cy="368300"/>
+            <a:off x="1501775" y="3336290"/>
+            <a:ext cx="5661660" cy="460375"/>
           </a:xfrm>
           <a:prstGeom prst="rect">
             <a:avLst/>
@@ -4962,10 +5297,10 @@
           </a:bodyPr>
           <a:p>
             <a:r>
-              <a:rPr lang="zh-CN" altLang="en-US"/>
+              <a:rPr lang="zh-CN" altLang="en-US" sz="2400" b="1"/>
               <a:t>3、提供starter简化Maven配置</a:t>
             </a:r>
-            <a:endParaRPr lang="zh-CN" altLang="en-US"/>
+            <a:endParaRPr lang="zh-CN" altLang="en-US" sz="2400" b="1"/>
           </a:p>
         </p:txBody>
       </p:sp>
@@ -4977,8 +5312,8 @@
         </p:nvSpPr>
         <p:spPr>
           <a:xfrm>
-            <a:off x="1501775" y="4264660"/>
-            <a:ext cx="4883785" cy="922020"/>
+            <a:off x="1501775" y="4199255"/>
+            <a:ext cx="4883785" cy="1938020"/>
           </a:xfrm>
           <a:prstGeom prst="rect">
             <a:avLst/>
@@ -4991,24 +5326,30 @@
           </a:bodyPr>
           <a:p>
             <a:r>
-              <a:rPr lang="zh-CN" altLang="en-US"/>
-              <a:t>4、自动配置Spring </a:t>
-            </a:r>
-            <a:endParaRPr lang="zh-CN" altLang="en-US"/>
-          </a:p>
-          <a:p>
-            <a:r>
-              <a:rPr lang="zh-CN" altLang="en-US"/>
-              <a:t>5、准生产的应用监控 </a:t>
-            </a:r>
-            <a:endParaRPr lang="zh-CN" altLang="en-US"/>
-          </a:p>
-          <a:p>
-            <a:r>
-              <a:rPr lang="zh-CN" altLang="en-US"/>
+              <a:rPr lang="zh-CN" altLang="en-US" sz="2400" b="1"/>
+              <a:t>4、自动配置Spring</a:t>
+            </a:r>
+            <a:endParaRPr lang="zh-CN" altLang="en-US" sz="2400" b="1"/>
+          </a:p>
+          <a:p>
+            <a:endParaRPr lang="zh-CN" altLang="en-US" sz="2400" b="1"/>
+          </a:p>
+          <a:p>
+            <a:r>
+              <a:rPr lang="zh-CN" altLang="en-US" sz="2400" b="1"/>
+              <a:t>5、准生产的应用监控</a:t>
+            </a:r>
+            <a:endParaRPr lang="zh-CN" altLang="en-US" sz="2400" b="1"/>
+          </a:p>
+          <a:p>
+            <a:endParaRPr lang="zh-CN" altLang="en-US" sz="2400" b="1"/>
+          </a:p>
+          <a:p>
+            <a:r>
+              <a:rPr lang="zh-CN" altLang="en-US" sz="2400" b="1"/>
               <a:t>6、无代码生成和xml配置</a:t>
             </a:r>
-            <a:endParaRPr lang="zh-CN" altLang="en-US"/>
+            <a:endParaRPr lang="zh-CN" altLang="en-US" sz="2400" b="1"/>
           </a:p>
         </p:txBody>
       </p:sp>
@@ -5049,8 +5390,8 @@
         </p:nvSpPr>
         <p:spPr>
           <a:xfrm>
-            <a:off x="2769235" y="476885"/>
-            <a:ext cx="6515100" cy="583565"/>
+            <a:off x="1897380" y="516255"/>
+            <a:ext cx="8397875" cy="706755"/>
           </a:xfrm>
           <a:prstGeom prst="rect">
             <a:avLst/>
@@ -5063,22 +5404,22 @@
           </a:bodyPr>
           <a:p>
             <a:r>
-              <a:rPr lang="zh-CN" altLang="en-US" sz="3200"/>
+              <a:rPr lang="zh-CN" altLang="en-US" sz="4000" b="1"/>
               <a:t>搭建一个简单的</a:t>
             </a:r>
             <a:r>
-              <a:rPr lang="en-US" altLang="zh-CN" sz="3200"/>
+              <a:rPr lang="en-US" altLang="zh-CN" sz="4000" b="1"/>
               <a:t>SpringBoot </a:t>
             </a:r>
             <a:r>
-              <a:rPr lang="zh-CN" altLang="en-US" sz="3200"/>
+              <a:rPr lang="zh-CN" altLang="en-US" sz="4000" b="1"/>
               <a:t>的</a:t>
             </a:r>
             <a:r>
-              <a:rPr lang="en-US" altLang="zh-CN" sz="3200"/>
+              <a:rPr lang="en-US" altLang="zh-CN" sz="4000" b="1"/>
               <a:t>Demo</a:t>
             </a:r>
-            <a:endParaRPr lang="en-US" altLang="zh-CN" sz="3200"/>
+            <a:endParaRPr lang="en-US" altLang="zh-CN" sz="4000" b="1"/>
           </a:p>
         </p:txBody>
       </p:sp>

--- a/SpringBoot.pptx
+++ b/SpringBoot.pptx
@@ -27,8 +27,7 @@
     <p:sldId id="273" r:id="rId20"/>
     <p:sldId id="274" r:id="rId21"/>
     <p:sldId id="275" r:id="rId22"/>
-    <p:sldId id="276" r:id="rId23"/>
-    <p:sldId id="277" r:id="rId24"/>
+    <p:sldId id="277" r:id="rId23"/>
   </p:sldIdLst>
   <p:sldSz cx="12192000" cy="6858000"/>
   <p:notesSz cx="6858000" cy="9144000"/>
@@ -4821,6 +4820,113 @@
         <p:nvPr/>
       </p:nvGrpSpPr>
       <p:grpSpPr/>
+      <p:sp>
+        <p:nvSpPr>
+          <p:cNvPr id="3" name="矩形 2"/>
+          <p:cNvSpPr/>
+          <p:nvPr/>
+        </p:nvSpPr>
+        <p:spPr>
+          <a:xfrm>
+            <a:off x="636270" y="586105"/>
+            <a:ext cx="3404870" cy="1008380"/>
+          </a:xfrm>
+          <a:prstGeom prst="rect">
+            <a:avLst/>
+          </a:prstGeom>
+        </p:spPr>
+        <p:style>
+          <a:lnRef idx="2">
+            <a:schemeClr val="accent4">
+              <a:shade val="50000"/>
+            </a:schemeClr>
+          </a:lnRef>
+          <a:fillRef idx="1">
+            <a:schemeClr val="accent4"/>
+          </a:fillRef>
+          <a:effectRef idx="0">
+            <a:schemeClr val="accent4"/>
+          </a:effectRef>
+          <a:fontRef idx="minor">
+            <a:schemeClr val="lt1"/>
+          </a:fontRef>
+        </p:style>
+        <p:txBody>
+          <a:bodyPr rtlCol="0" anchor="ctr"/>
+          <a:p>
+            <a:pPr algn="ctr"/>
+            <a:r>
+              <a:rPr lang="en-US" altLang="zh-CN" sz="4400" b="1">
+                <a:solidFill>
+                  <a:schemeClr val="tx1"/>
+                </a:solidFill>
+              </a:rPr>
+              <a:t>SSL</a:t>
+            </a:r>
+            <a:r>
+              <a:rPr lang="zh-CN" altLang="zh-CN" sz="4400" b="1">
+                <a:solidFill>
+                  <a:schemeClr val="tx1"/>
+                </a:solidFill>
+              </a:rPr>
+              <a:t>配置</a:t>
+            </a:r>
+            <a:endParaRPr lang="zh-CN" altLang="zh-CN" sz="4400" b="1">
+              <a:solidFill>
+                <a:schemeClr val="tx1"/>
+              </a:solidFill>
+            </a:endParaRPr>
+          </a:p>
+        </p:txBody>
+      </p:sp>
+      <p:pic>
+        <p:nvPicPr>
+          <p:cNvPr id="4" name="图片 3" descr="12"/>
+          <p:cNvPicPr>
+            <a:picLocks noChangeAspect="1"/>
+          </p:cNvPicPr>
+          <p:nvPr/>
+        </p:nvPicPr>
+        <p:blipFill>
+          <a:blip r:embed="rId1"/>
+          <a:stretch>
+            <a:fillRect/>
+          </a:stretch>
+        </p:blipFill>
+        <p:spPr>
+          <a:xfrm>
+            <a:off x="182880" y="3044190"/>
+            <a:ext cx="4546600" cy="3124200"/>
+          </a:xfrm>
+          <a:prstGeom prst="rect">
+            <a:avLst/>
+          </a:prstGeom>
+        </p:spPr>
+      </p:pic>
+      <p:pic>
+        <p:nvPicPr>
+          <p:cNvPr id="6" name="图片 5" descr="13 (2)"/>
+          <p:cNvPicPr>
+            <a:picLocks noChangeAspect="1"/>
+          </p:cNvPicPr>
+          <p:nvPr/>
+        </p:nvPicPr>
+        <p:blipFill>
+          <a:blip r:embed="rId2"/>
+          <a:stretch>
+            <a:fillRect/>
+          </a:stretch>
+        </p:blipFill>
+        <p:spPr>
+          <a:xfrm>
+            <a:off x="4900930" y="2357755"/>
+            <a:ext cx="7084060" cy="4300220"/>
+          </a:xfrm>
+          <a:prstGeom prst="rect">
+            <a:avLst/>
+          </a:prstGeom>
+        </p:spPr>
+      </p:pic>
     </p:spTree>
   </p:cSld>
   <p:clrMapOvr>
@@ -4850,6 +4956,54 @@
         <p:nvPr/>
       </p:nvGrpSpPr>
       <p:grpSpPr/>
+      <p:pic>
+        <p:nvPicPr>
+          <p:cNvPr id="2" name="图片 1" descr="11"/>
+          <p:cNvPicPr>
+            <a:picLocks noChangeAspect="1"/>
+          </p:cNvPicPr>
+          <p:nvPr/>
+        </p:nvPicPr>
+        <p:blipFill>
+          <a:blip r:embed="rId1"/>
+          <a:stretch>
+            <a:fillRect/>
+          </a:stretch>
+        </p:blipFill>
+        <p:spPr>
+          <a:xfrm>
+            <a:off x="872490" y="3478530"/>
+            <a:ext cx="10058400" cy="2756535"/>
+          </a:xfrm>
+          <a:prstGeom prst="rect">
+            <a:avLst/>
+          </a:prstGeom>
+        </p:spPr>
+      </p:pic>
+      <p:pic>
+        <p:nvPicPr>
+          <p:cNvPr id="3" name="图片 2" descr="10"/>
+          <p:cNvPicPr>
+            <a:picLocks noChangeAspect="1"/>
+          </p:cNvPicPr>
+          <p:nvPr/>
+        </p:nvPicPr>
+        <p:blipFill>
+          <a:blip r:embed="rId2"/>
+          <a:stretch>
+            <a:fillRect/>
+          </a:stretch>
+        </p:blipFill>
+        <p:spPr>
+          <a:xfrm>
+            <a:off x="1543685" y="195580"/>
+            <a:ext cx="8716645" cy="2856230"/>
+          </a:xfrm>
+          <a:prstGeom prst="rect">
+            <a:avLst/>
+          </a:prstGeom>
+        </p:spPr>
+      </p:pic>
     </p:spTree>
   </p:cSld>
   <p:clrMapOvr>
@@ -4965,11 +5119,7 @@
             </a:r>
             <a:r>
               <a:rPr lang="zh-CN" altLang="en-US" sz="2800" b="1"/>
-              <a:t>、</a:t>
-            </a:r>
-            <a:r>
-              <a:rPr lang="zh-CN" altLang="en-US" sz="2800" b="1"/>
-              <a:t>Spring Boot可以让我们快速搭建一个基于Spring的项目环境</a:t>
+              <a:t>、Spring Boot可以让我们快速搭建一个基于Spring的项目环境</a:t>
             </a:r>
             <a:endParaRPr lang="zh-CN" altLang="en-US" sz="2800" b="1"/>
           </a:p>
@@ -5058,35 +5208,6 @@
 </file>
 
 <file path=ppt/slides/slide20.xml><?xml version="1.0" encoding="utf-8"?>
-<p:sld xmlns:a="http://schemas.openxmlformats.org/drawingml/2006/main" xmlns:r="http://schemas.openxmlformats.org/officeDocument/2006/relationships" xmlns:p="http://schemas.openxmlformats.org/presentationml/2006/main">
-  <p:cSld>
-    <p:bg>
-      <p:bgPr>
-        <a:solidFill>
-          <a:schemeClr val="accent4">
-            <a:lumMod val="40000"/>
-            <a:lumOff val="60000"/>
-          </a:schemeClr>
-        </a:solidFill>
-        <a:effectLst/>
-      </p:bgPr>
-    </p:bg>
-    <p:spTree>
-      <p:nvGrpSpPr>
-        <p:cNvPr id="1" name=""/>
-        <p:cNvGrpSpPr/>
-        <p:nvPr/>
-      </p:nvGrpSpPr>
-      <p:grpSpPr/>
-    </p:spTree>
-  </p:cSld>
-  <p:clrMapOvr>
-    <a:masterClrMapping/>
-  </p:clrMapOvr>
-</p:sld>
-</file>
-
-<file path=ppt/slides/slide21.xml><?xml version="1.0" encoding="utf-8"?>
 <p:sld xmlns:a="http://schemas.openxmlformats.org/drawingml/2006/main" xmlns:r="http://schemas.openxmlformats.org/officeDocument/2006/relationships" xmlns:p="http://schemas.openxmlformats.org/presentationml/2006/main">
   <p:cSld>
     <p:bg>
